--- a/Analyse.pptx
+++ b/Analyse.pptx
@@ -5,7 +5,7 @@
     <p:sldMasterId id="2147483660" r:id="rId1"/>
   </p:sldMasterIdLst>
   <p:notesMasterIdLst>
-    <p:notesMasterId r:id="rId27"/>
+    <p:notesMasterId r:id="rId30"/>
   </p:notesMasterIdLst>
   <p:sldIdLst>
     <p:sldId id="259" r:id="rId2"/>
@@ -33,6 +33,9 @@
     <p:sldId id="288" r:id="rId24"/>
     <p:sldId id="289" r:id="rId25"/>
     <p:sldId id="290" r:id="rId26"/>
+    <p:sldId id="292" r:id="rId27"/>
+    <p:sldId id="294" r:id="rId28"/>
+    <p:sldId id="291" r:id="rId29"/>
   </p:sldIdLst>
   <p:sldSz cx="17338675" cy="9753600"/>
   <p:notesSz cx="6858000" cy="9144000"/>
@@ -150,6 +153,10 @@
 </p:presentation>
 </file>
 
+<file path=ppt/revisionInfo.xml><?xml version="1.0" encoding="utf-8"?>
+<p1510:revInfo xmlns:a="http://schemas.openxmlformats.org/drawingml/2006/main" xmlns:r="http://schemas.openxmlformats.org/officeDocument/2006/relationships" xmlns:p1510="http://schemas.microsoft.com/office/powerpoint/2015/10/main"/>
+</file>
+
 <file path=ppt/notesMasters/notesMaster1.xml><?xml version="1.0" encoding="utf-8"?>
 <p:notesMaster xmlns:a="http://schemas.openxmlformats.org/drawingml/2006/main" xmlns:r="http://schemas.openxmlformats.org/officeDocument/2006/relationships" xmlns:p="http://schemas.openxmlformats.org/presentationml/2006/main">
   <p:cSld>
@@ -232,7 +239,7 @@
           <a:p>
             <a:fld id="{86680C0C-85DF-417F-8238-DB0D15743621}" type="datetimeFigureOut">
               <a:rPr lang="en-GB" smtClean="0"/>
-              <a:t>01/03/2018</a:t>
+              <a:t>02/03/2018</a:t>
             </a:fld>
             <a:endParaRPr lang="en-GB"/>
           </a:p>
@@ -391,7 +398,7 @@
           <a:p>
             <a:fld id="{539A0A48-EDB1-4AFE-B1B7-10CE2A416496}" type="slidenum">
               <a:rPr lang="en-GB" smtClean="0"/>
-              <a:t>‹#›</a:t>
+              <a:t>‹nr.›</a:t>
             </a:fld>
             <a:endParaRPr lang="en-GB"/>
           </a:p>
@@ -668,6 +675,174 @@
 </p:notes>
 </file>
 
+<file path=ppt/notesSlides/notesSlide3.xml><?xml version="1.0" encoding="utf-8"?>
+<p:notes xmlns:a="http://schemas.openxmlformats.org/drawingml/2006/main" xmlns:r="http://schemas.openxmlformats.org/officeDocument/2006/relationships" xmlns:p="http://schemas.openxmlformats.org/presentationml/2006/main">
+  <p:cSld>
+    <p:spTree>
+      <p:nvGrpSpPr>
+        <p:cNvPr id="1" name=""/>
+        <p:cNvGrpSpPr/>
+        <p:nvPr/>
+      </p:nvGrpSpPr>
+      <p:grpSpPr>
+        <a:xfrm>
+          <a:off x="0" y="0"/>
+          <a:ext cx="0" cy="0"/>
+          <a:chOff x="0" y="0"/>
+          <a:chExt cx="0" cy="0"/>
+        </a:xfrm>
+      </p:grpSpPr>
+      <p:sp>
+        <p:nvSpPr>
+          <p:cNvPr id="2" name="Slide Image Placeholder 1"/>
+          <p:cNvSpPr>
+            <a:spLocks noGrp="1" noRot="1" noChangeAspect="1"/>
+          </p:cNvSpPr>
+          <p:nvPr>
+            <p:ph type="sldImg"/>
+          </p:nvPr>
+        </p:nvSpPr>
+        <p:spPr/>
+      </p:sp>
+      <p:sp>
+        <p:nvSpPr>
+          <p:cNvPr id="3" name="Notes Placeholder 2"/>
+          <p:cNvSpPr>
+            <a:spLocks noGrp="1"/>
+          </p:cNvSpPr>
+          <p:nvPr>
+            <p:ph type="body" idx="1"/>
+          </p:nvPr>
+        </p:nvSpPr>
+        <p:spPr/>
+        <p:txBody>
+          <a:bodyPr/>
+          <a:lstStyle/>
+          <a:p>
+            <a:endParaRPr lang="en-GB"/>
+          </a:p>
+        </p:txBody>
+      </p:sp>
+      <p:sp>
+        <p:nvSpPr>
+          <p:cNvPr id="4" name="Slide Number Placeholder 3"/>
+          <p:cNvSpPr>
+            <a:spLocks noGrp="1"/>
+          </p:cNvSpPr>
+          <p:nvPr>
+            <p:ph type="sldNum" sz="quarter" idx="10"/>
+          </p:nvPr>
+        </p:nvSpPr>
+        <p:spPr/>
+        <p:txBody>
+          <a:bodyPr/>
+          <a:lstStyle/>
+          <a:p>
+            <a:fld id="{539A0A48-EDB1-4AFE-B1B7-10CE2A416496}" type="slidenum">
+              <a:rPr lang="en-GB" smtClean="0"/>
+              <a:t>25</a:t>
+            </a:fld>
+            <a:endParaRPr lang="en-GB"/>
+          </a:p>
+        </p:txBody>
+      </p:sp>
+    </p:spTree>
+    <p:extLst>
+      <p:ext uri="{BB962C8B-B14F-4D97-AF65-F5344CB8AC3E}">
+        <p14:creationId xmlns:p14="http://schemas.microsoft.com/office/powerpoint/2010/main" val="809225752"/>
+      </p:ext>
+    </p:extLst>
+  </p:cSld>
+  <p:clrMapOvr>
+    <a:masterClrMapping/>
+  </p:clrMapOvr>
+</p:notes>
+</file>
+
+<file path=ppt/notesSlides/notesSlide4.xml><?xml version="1.0" encoding="utf-8"?>
+<p:notes xmlns:a="http://schemas.openxmlformats.org/drawingml/2006/main" xmlns:r="http://schemas.openxmlformats.org/officeDocument/2006/relationships" xmlns:p="http://schemas.openxmlformats.org/presentationml/2006/main">
+  <p:cSld>
+    <p:spTree>
+      <p:nvGrpSpPr>
+        <p:cNvPr id="1" name=""/>
+        <p:cNvGrpSpPr/>
+        <p:nvPr/>
+      </p:nvGrpSpPr>
+      <p:grpSpPr>
+        <a:xfrm>
+          <a:off x="0" y="0"/>
+          <a:ext cx="0" cy="0"/>
+          <a:chOff x="0" y="0"/>
+          <a:chExt cx="0" cy="0"/>
+        </a:xfrm>
+      </p:grpSpPr>
+      <p:sp>
+        <p:nvSpPr>
+          <p:cNvPr id="2" name="Slide Image Placeholder 1"/>
+          <p:cNvSpPr>
+            <a:spLocks noGrp="1" noRot="1" noChangeAspect="1"/>
+          </p:cNvSpPr>
+          <p:nvPr>
+            <p:ph type="sldImg"/>
+          </p:nvPr>
+        </p:nvSpPr>
+        <p:spPr/>
+      </p:sp>
+      <p:sp>
+        <p:nvSpPr>
+          <p:cNvPr id="3" name="Notes Placeholder 2"/>
+          <p:cNvSpPr>
+            <a:spLocks noGrp="1"/>
+          </p:cNvSpPr>
+          <p:nvPr>
+            <p:ph type="body" idx="1"/>
+          </p:nvPr>
+        </p:nvSpPr>
+        <p:spPr/>
+        <p:txBody>
+          <a:bodyPr/>
+          <a:lstStyle/>
+          <a:p>
+            <a:endParaRPr lang="en-GB"/>
+          </a:p>
+        </p:txBody>
+      </p:sp>
+      <p:sp>
+        <p:nvSpPr>
+          <p:cNvPr id="4" name="Slide Number Placeholder 3"/>
+          <p:cNvSpPr>
+            <a:spLocks noGrp="1"/>
+          </p:cNvSpPr>
+          <p:nvPr>
+            <p:ph type="sldNum" sz="quarter" idx="10"/>
+          </p:nvPr>
+        </p:nvSpPr>
+        <p:spPr/>
+        <p:txBody>
+          <a:bodyPr/>
+          <a:lstStyle/>
+          <a:p>
+            <a:fld id="{539A0A48-EDB1-4AFE-B1B7-10CE2A416496}" type="slidenum">
+              <a:rPr lang="en-GB" smtClean="0"/>
+              <a:t>28</a:t>
+            </a:fld>
+            <a:endParaRPr lang="en-GB"/>
+          </a:p>
+        </p:txBody>
+      </p:sp>
+    </p:spTree>
+    <p:extLst>
+      <p:ext uri="{BB962C8B-B14F-4D97-AF65-F5344CB8AC3E}">
+        <p14:creationId xmlns:p14="http://schemas.microsoft.com/office/powerpoint/2010/main" val="1196509286"/>
+      </p:ext>
+    </p:extLst>
+  </p:cSld>
+  <p:clrMapOvr>
+    <a:masterClrMapping/>
+  </p:clrMapOvr>
+</p:notes>
+</file>
+
 <file path=ppt/slideLayouts/slideLayout1.xml><?xml version="1.0" encoding="utf-8"?>
 <p:sldLayout xmlns:a="http://schemas.openxmlformats.org/drawingml/2006/main" xmlns:r="http://schemas.openxmlformats.org/officeDocument/2006/relationships" xmlns:p="http://schemas.openxmlformats.org/presentationml/2006/main" showMasterSp="0" type="blank" preserve="1">
   <p:cSld name="Corporate Logo">
@@ -702,7 +877,7 @@
           <a:p>
             <a:fld id="{5A24147F-ED97-47AF-A1B3-C82A179CF7F3}" type="datetime1">
               <a:rPr lang="nl-NL" smtClean="0"/>
-              <a:t>1-3-2018</a:t>
+              <a:t>2-3-2018</a:t>
             </a:fld>
             <a:endParaRPr lang="en-GB"/>
           </a:p>
@@ -744,7 +919,7 @@
           <a:p>
             <a:fld id="{7AE184E0-0BD4-4705-A12B-9B71DDE63301}" type="slidenum">
               <a:rPr lang="en-GB" smtClean="0"/>
-              <a:t>‹#›</a:t>
+              <a:t>‹nr.›</a:t>
             </a:fld>
             <a:endParaRPr lang="en-GB"/>
           </a:p>
@@ -1527,7 +1702,7 @@
             <a:fld id="{7AE184E0-0BD4-4705-A12B-9B71DDE63301}" type="slidenum">
               <a:rPr lang="nl-BE" noProof="0" smtClean="0"/>
               <a:pPr/>
-              <a:t>‹#›</a:t>
+              <a:t>‹nr.›</a:t>
             </a:fld>
             <a:endParaRPr lang="nl-BE" noProof="0" dirty="0"/>
           </a:p>
@@ -1780,7 +1955,7 @@
           <a:p>
             <a:fld id="{25470885-0B31-4E06-AE71-7E16801F2838}" type="datetime1">
               <a:rPr lang="nl-BE" noProof="0" smtClean="0"/>
-              <a:t>1/03/2018</a:t>
+              <a:t>2/03/2018</a:t>
             </a:fld>
             <a:endParaRPr lang="nl-BE" noProof="0" dirty="0"/>
           </a:p>
@@ -1822,7 +1997,7 @@
           <a:p>
             <a:fld id="{7AE184E0-0BD4-4705-A12B-9B71DDE63301}" type="slidenum">
               <a:rPr lang="nl-BE" noProof="0" smtClean="0"/>
-              <a:t>‹#›</a:t>
+              <a:t>‹nr.›</a:t>
             </a:fld>
             <a:endParaRPr lang="nl-BE" noProof="0" dirty="0"/>
           </a:p>
@@ -1898,7 +2073,7 @@
           <a:p>
             <a:fld id="{E7410F60-8C93-4C37-B51A-4DDAE36F7E9B}" type="datetime1">
               <a:rPr lang="nl-BE" noProof="0" smtClean="0"/>
-              <a:t>1/03/2018</a:t>
+              <a:t>2/03/2018</a:t>
             </a:fld>
             <a:endParaRPr lang="nl-BE" noProof="0" dirty="0"/>
           </a:p>
@@ -1995,7 +2170,7 @@
             <a:fld id="{7AE184E0-0BD4-4705-A12B-9B71DDE63301}" type="slidenum">
               <a:rPr lang="nl-BE" noProof="0" smtClean="0"/>
               <a:pPr/>
-              <a:t>‹#›</a:t>
+              <a:t>‹nr.›</a:t>
             </a:fld>
             <a:endParaRPr lang="nl-BE" noProof="0" dirty="0"/>
           </a:p>
@@ -2177,7 +2352,7 @@
           <a:p>
             <a:fld id="{656594B6-17DF-4759-A7A5-128AFEA77F2C}" type="datetime1">
               <a:rPr lang="nl-BE" noProof="0" smtClean="0"/>
-              <a:t>1/03/2018</a:t>
+              <a:t>2/03/2018</a:t>
             </a:fld>
             <a:endParaRPr lang="nl-BE" noProof="0" dirty="0"/>
           </a:p>
@@ -2219,7 +2394,7 @@
           <a:p>
             <a:fld id="{7AE184E0-0BD4-4705-A12B-9B71DDE63301}" type="slidenum">
               <a:rPr lang="nl-BE" noProof="0" smtClean="0"/>
-              <a:t>‹#›</a:t>
+              <a:t>‹nr.›</a:t>
             </a:fld>
             <a:endParaRPr lang="nl-BE" noProof="0" dirty="0"/>
           </a:p>
@@ -2318,7 +2493,7 @@
           <a:p>
             <a:fld id="{66A81384-1200-4D40-BEF0-3A17A1F906F4}" type="datetime1">
               <a:rPr lang="nl-NL" noProof="0" smtClean="0"/>
-              <a:t>1-3-2018</a:t>
+              <a:t>2-3-2018</a:t>
             </a:fld>
             <a:endParaRPr lang="nl-NL" noProof="0" dirty="0"/>
           </a:p>
@@ -2859,7 +3034,7 @@
           <a:p>
             <a:fld id="{FA870D1A-A3AB-4E9F-892E-C45B5A80FDBF}" type="datetime1">
               <a:rPr lang="nl-BE" noProof="0" smtClean="0"/>
-              <a:t>1/03/2018</a:t>
+              <a:t>2/03/2018</a:t>
             </a:fld>
             <a:endParaRPr lang="nl-BE" noProof="0" dirty="0"/>
           </a:p>
@@ -2936,7 +3111,7 @@
             <a:fld id="{7AE184E0-0BD4-4705-A12B-9B71DDE63301}" type="slidenum">
               <a:rPr lang="nl-BE" noProof="0" smtClean="0"/>
               <a:pPr/>
-              <a:t>‹#›</a:t>
+              <a:t>‹nr.›</a:t>
             </a:fld>
             <a:endParaRPr lang="nl-BE" noProof="0" dirty="0"/>
           </a:p>
@@ -27522,10 +27697,1835 @@
           <a:chExt cx="0" cy="0"/>
         </a:xfrm>
       </p:grpSpPr>
+      <p:sp>
+        <p:nvSpPr>
+          <p:cNvPr id="8" name="Titel 7"/>
+          <p:cNvSpPr>
+            <a:spLocks noGrp="1"/>
+          </p:cNvSpPr>
+          <p:nvPr>
+            <p:ph type="ctrTitle"/>
+          </p:nvPr>
+        </p:nvSpPr>
+        <p:spPr/>
+        <p:txBody>
+          <a:bodyPr/>
+          <a:lstStyle/>
+          <a:p>
+            <a:r>
+              <a:rPr lang="nl-NL" dirty="0">
+                <a:latin typeface="UGent Panno Text" panose="02000506040000040003" pitchFamily="2" charset="0"/>
+              </a:rPr>
+              <a:t>Eerste iteratie</a:t>
+            </a:r>
+          </a:p>
+        </p:txBody>
+      </p:sp>
+      <p:sp>
+        <p:nvSpPr>
+          <p:cNvPr id="5" name="Slide Number Placeholder 4"/>
+          <p:cNvSpPr>
+            <a:spLocks noGrp="1"/>
+          </p:cNvSpPr>
+          <p:nvPr>
+            <p:ph type="sldNum" sz="quarter" idx="4"/>
+          </p:nvPr>
+        </p:nvSpPr>
+        <p:spPr/>
+        <p:txBody>
+          <a:bodyPr/>
+          <a:lstStyle/>
+          <a:p>
+            <a:fld id="{7AE184E0-0BD4-4705-A12B-9B71DDE63301}" type="slidenum">
+              <a:rPr lang="nl-BE" smtClean="0"/>
+              <a:pPr/>
+              <a:t>25</a:t>
+            </a:fld>
+            <a:endParaRPr lang="nl-BE" dirty="0"/>
+          </a:p>
+        </p:txBody>
+      </p:sp>
     </p:spTree>
     <p:extLst>
       <p:ext uri="{BB962C8B-B14F-4D97-AF65-F5344CB8AC3E}">
-        <p14:creationId xmlns:p14="http://schemas.microsoft.com/office/powerpoint/2010/main" val="3876036516"/>
+        <p14:creationId xmlns:p14="http://schemas.microsoft.com/office/powerpoint/2010/main" val="371348941"/>
+      </p:ext>
+    </p:extLst>
+  </p:cSld>
+  <p:clrMapOvr>
+    <a:masterClrMapping/>
+  </p:clrMapOvr>
+</p:sld>
+</file>
+
+<file path=ppt/slides/slide26.xml><?xml version="1.0" encoding="utf-8"?>
+<p:sld xmlns:a="http://schemas.openxmlformats.org/drawingml/2006/main" xmlns:r="http://schemas.openxmlformats.org/officeDocument/2006/relationships" xmlns:p="http://schemas.openxmlformats.org/presentationml/2006/main">
+  <p:cSld>
+    <p:spTree>
+      <p:nvGrpSpPr>
+        <p:cNvPr id="1" name=""/>
+        <p:cNvGrpSpPr/>
+        <p:nvPr/>
+      </p:nvGrpSpPr>
+      <p:grpSpPr>
+        <a:xfrm>
+          <a:off x="0" y="0"/>
+          <a:ext cx="0" cy="0"/>
+          <a:chOff x="0" y="0"/>
+          <a:chExt cx="0" cy="0"/>
+        </a:xfrm>
+      </p:grpSpPr>
+      <p:sp>
+        <p:nvSpPr>
+          <p:cNvPr id="2" name="Titel 1"/>
+          <p:cNvSpPr>
+            <a:spLocks noGrp="1"/>
+          </p:cNvSpPr>
+          <p:nvPr>
+            <p:ph type="title"/>
+          </p:nvPr>
+        </p:nvSpPr>
+        <p:spPr/>
+        <p:txBody>
+          <a:bodyPr/>
+          <a:lstStyle/>
+          <a:p>
+            <a:r>
+              <a:rPr lang="nl-NL" dirty="0">
+                <a:latin typeface="UGent Panno Text" panose="02000506040000040003" pitchFamily="2" charset="0"/>
+              </a:rPr>
+              <a:t>Eerste iteratie</a:t>
+            </a:r>
+          </a:p>
+        </p:txBody>
+      </p:sp>
+      <p:sp>
+        <p:nvSpPr>
+          <p:cNvPr id="3" name="Tijdelijke aanduiding voor inhoud 2"/>
+          <p:cNvSpPr>
+            <a:spLocks noGrp="1"/>
+          </p:cNvSpPr>
+          <p:nvPr>
+            <p:ph idx="1"/>
+          </p:nvPr>
+        </p:nvSpPr>
+        <p:spPr/>
+        <p:txBody>
+          <a:bodyPr/>
+          <a:lstStyle/>
+          <a:p>
+            <a:r>
+              <a:rPr lang="nl-NL" dirty="0">
+                <a:latin typeface="UGent Panno Text" panose="02000506040000040003" pitchFamily="2" charset="0"/>
+              </a:rPr>
+              <a:t>Kan weggelaten worden:</a:t>
+            </a:r>
+          </a:p>
+          <a:p>
+            <a:pPr lvl="1"/>
+            <a:r>
+              <a:rPr lang="nl-NL" sz="4000" dirty="0">
+                <a:solidFill>
+                  <a:srgbClr val="FF0000"/>
+                </a:solidFill>
+                <a:latin typeface="UGent Panno Text" panose="02000506040000040003" pitchFamily="2" charset="0"/>
+              </a:rPr>
+              <a:t>Time </a:t>
+            </a:r>
+            <a:r>
+              <a:rPr lang="nl-NL" sz="4000" dirty="0" err="1">
+                <a:solidFill>
+                  <a:srgbClr val="FF0000"/>
+                </a:solidFill>
+                <a:latin typeface="UGent Panno Text" panose="02000506040000040003" pitchFamily="2" charset="0"/>
+              </a:rPr>
+              <a:t>freeze</a:t>
+            </a:r>
+            <a:endParaRPr lang="nl-NL" sz="4000" dirty="0">
+              <a:solidFill>
+                <a:srgbClr val="FF0000"/>
+              </a:solidFill>
+              <a:latin typeface="UGent Panno Text" panose="02000506040000040003" pitchFamily="2" charset="0"/>
+            </a:endParaRPr>
+          </a:p>
+          <a:p>
+            <a:pPr lvl="1"/>
+            <a:r>
+              <a:rPr lang="nl-NL" sz="4000" dirty="0">
+                <a:solidFill>
+                  <a:srgbClr val="00B050"/>
+                </a:solidFill>
+                <a:latin typeface="UGent Panno Text" panose="02000506040000040003" pitchFamily="2" charset="0"/>
+              </a:rPr>
+              <a:t>Quizroom</a:t>
+            </a:r>
+          </a:p>
+          <a:p>
+            <a:pPr lvl="1"/>
+            <a:r>
+              <a:rPr lang="nl-NL" sz="4000" dirty="0">
+                <a:solidFill>
+                  <a:srgbClr val="FF0000"/>
+                </a:solidFill>
+                <a:latin typeface="UGent Panno Text" panose="02000506040000040003" pitchFamily="2" charset="0"/>
+              </a:rPr>
+              <a:t>Prijsuitreiking</a:t>
+            </a:r>
+          </a:p>
+          <a:p>
+            <a:pPr lvl="1"/>
+            <a:r>
+              <a:rPr lang="nl-NL" sz="4000" dirty="0">
+                <a:solidFill>
+                  <a:srgbClr val="FF0000"/>
+                </a:solidFill>
+                <a:latin typeface="UGent Panno Text" panose="02000506040000040003" pitchFamily="2" charset="0"/>
+              </a:rPr>
+              <a:t>Opgeslagen accounts (level, </a:t>
+            </a:r>
+            <a:r>
+              <a:rPr lang="nl-NL" sz="4000" dirty="0" err="1">
+                <a:solidFill>
+                  <a:srgbClr val="FF0000"/>
+                </a:solidFill>
+                <a:latin typeface="UGent Panno Text" panose="02000506040000040003" pitchFamily="2" charset="0"/>
+              </a:rPr>
+              <a:t>experience</a:t>
+            </a:r>
+            <a:r>
+              <a:rPr lang="nl-NL" sz="4000" dirty="0">
+                <a:solidFill>
+                  <a:srgbClr val="FF0000"/>
+                </a:solidFill>
+                <a:latin typeface="UGent Panno Text" panose="02000506040000040003" pitchFamily="2" charset="0"/>
+              </a:rPr>
+              <a:t> points…)</a:t>
+            </a:r>
+          </a:p>
+          <a:p>
+            <a:r>
+              <a:rPr lang="nl-NL" dirty="0">
+                <a:latin typeface="UGent Panno Text" panose="02000506040000040003" pitchFamily="2" charset="0"/>
+              </a:rPr>
+              <a:t>Voldoende realistisch/ambitieus?</a:t>
+            </a:r>
+          </a:p>
+        </p:txBody>
+      </p:sp>
+      <p:sp>
+        <p:nvSpPr>
+          <p:cNvPr id="4" name="Tijdelijke aanduiding voor dianummer 3"/>
+          <p:cNvSpPr>
+            <a:spLocks noGrp="1"/>
+          </p:cNvSpPr>
+          <p:nvPr>
+            <p:ph type="sldNum" sz="quarter" idx="12"/>
+          </p:nvPr>
+        </p:nvSpPr>
+        <p:spPr/>
+        <p:txBody>
+          <a:bodyPr/>
+          <a:lstStyle/>
+          <a:p>
+            <a:fld id="{7AE184E0-0BD4-4705-A12B-9B71DDE63301}" type="slidenum">
+              <a:rPr lang="nl-BE" noProof="0" smtClean="0"/>
+              <a:t>26</a:t>
+            </a:fld>
+            <a:endParaRPr lang="nl-BE" noProof="0" dirty="0"/>
+          </a:p>
+        </p:txBody>
+      </p:sp>
+    </p:spTree>
+    <p:extLst>
+      <p:ext uri="{BB962C8B-B14F-4D97-AF65-F5344CB8AC3E}">
+        <p14:creationId xmlns:p14="http://schemas.microsoft.com/office/powerpoint/2010/main" val="1344779896"/>
+      </p:ext>
+    </p:extLst>
+  </p:cSld>
+  <p:clrMapOvr>
+    <a:masterClrMapping/>
+  </p:clrMapOvr>
+</p:sld>
+</file>
+
+<file path=ppt/slides/slide27.xml><?xml version="1.0" encoding="utf-8"?>
+<p:sld xmlns:a="http://schemas.openxmlformats.org/drawingml/2006/main" xmlns:r="http://schemas.openxmlformats.org/officeDocument/2006/relationships" xmlns:p="http://schemas.openxmlformats.org/presentationml/2006/main">
+  <p:cSld>
+    <p:spTree>
+      <p:nvGrpSpPr>
+        <p:cNvPr id="1" name=""/>
+        <p:cNvGrpSpPr/>
+        <p:nvPr/>
+      </p:nvGrpSpPr>
+      <p:grpSpPr>
+        <a:xfrm>
+          <a:off x="0" y="0"/>
+          <a:ext cx="0" cy="0"/>
+          <a:chOff x="0" y="0"/>
+          <a:chExt cx="0" cy="0"/>
+        </a:xfrm>
+      </p:grpSpPr>
+      <p:sp>
+        <p:nvSpPr>
+          <p:cNvPr id="2" name="Titel 1"/>
+          <p:cNvSpPr>
+            <a:spLocks noGrp="1"/>
+          </p:cNvSpPr>
+          <p:nvPr>
+            <p:ph type="title"/>
+          </p:nvPr>
+        </p:nvSpPr>
+        <p:spPr>
+          <a:xfrm>
+            <a:off x="1059152" y="284392"/>
+            <a:ext cx="15705282" cy="863693"/>
+          </a:xfrm>
+        </p:spPr>
+        <p:txBody>
+          <a:bodyPr/>
+          <a:lstStyle/>
+          <a:p>
+            <a:r>
+              <a:rPr lang="nl-NL" dirty="0">
+                <a:latin typeface="UGent Panno Text" panose="02000506040000040003" pitchFamily="2" charset="0"/>
+              </a:rPr>
+              <a:t>Klassen </a:t>
+            </a:r>
+            <a:r>
+              <a:rPr lang="nl-NL">
+                <a:latin typeface="UGent Panno Text" panose="02000506040000040003" pitchFamily="2" charset="0"/>
+              </a:rPr>
+              <a:t>(rudimentair)</a:t>
+            </a:r>
+            <a:endParaRPr lang="nl-NL" dirty="0">
+              <a:latin typeface="UGent Panno Text" panose="02000506040000040003" pitchFamily="2" charset="0"/>
+            </a:endParaRPr>
+          </a:p>
+        </p:txBody>
+      </p:sp>
+      <p:sp>
+        <p:nvSpPr>
+          <p:cNvPr id="4" name="Tijdelijke aanduiding voor dianummer 3"/>
+          <p:cNvSpPr>
+            <a:spLocks noGrp="1"/>
+          </p:cNvSpPr>
+          <p:nvPr>
+            <p:ph type="sldNum" sz="quarter" idx="12"/>
+          </p:nvPr>
+        </p:nvSpPr>
+        <p:spPr/>
+        <p:txBody>
+          <a:bodyPr/>
+          <a:lstStyle/>
+          <a:p>
+            <a:fld id="{7AE184E0-0BD4-4705-A12B-9B71DDE63301}" type="slidenum">
+              <a:rPr lang="nl-BE" noProof="0" smtClean="0"/>
+              <a:t>27</a:t>
+            </a:fld>
+            <a:endParaRPr lang="nl-BE" noProof="0" dirty="0"/>
+          </a:p>
+        </p:txBody>
+      </p:sp>
+      <p:sp>
+        <p:nvSpPr>
+          <p:cNvPr id="5" name="Rechthoek: afgeronde hoeken 4">
+            <a:extLst>
+              <a:ext uri="{FF2B5EF4-FFF2-40B4-BE49-F238E27FC236}">
+                <a16:creationId xmlns:a16="http://schemas.microsoft.com/office/drawing/2014/main" id="{32367AEB-6675-462A-81F5-01B2E77BD623}"/>
+              </a:ext>
+            </a:extLst>
+          </p:cNvPr>
+          <p:cNvSpPr/>
+          <p:nvPr/>
+        </p:nvSpPr>
+        <p:spPr>
+          <a:xfrm>
+            <a:off x="11781200" y="1699044"/>
+            <a:ext cx="2520000" cy="720000"/>
+          </a:xfrm>
+          <a:prstGeom prst="roundRect">
+            <a:avLst/>
+          </a:prstGeom>
+          <a:ln/>
+        </p:spPr>
+        <p:style>
+          <a:lnRef idx="2">
+            <a:schemeClr val="accent1">
+              <a:shade val="50000"/>
+            </a:schemeClr>
+          </a:lnRef>
+          <a:fillRef idx="1">
+            <a:schemeClr val="accent1"/>
+          </a:fillRef>
+          <a:effectRef idx="0">
+            <a:schemeClr val="accent1"/>
+          </a:effectRef>
+          <a:fontRef idx="minor">
+            <a:schemeClr val="lt1"/>
+          </a:fontRef>
+        </p:style>
+        <p:txBody>
+          <a:bodyPr rtlCol="0" anchor="ctr"/>
+          <a:lstStyle/>
+          <a:p>
+            <a:pPr algn="ctr"/>
+            <a:r>
+              <a:rPr lang="en-GB" sz="2000" dirty="0">
+                <a:latin typeface="UGent Panno Text" panose="02000506040000040003" pitchFamily="2" charset="0"/>
+              </a:rPr>
+              <a:t>User</a:t>
+            </a:r>
+          </a:p>
+        </p:txBody>
+      </p:sp>
+      <p:sp>
+        <p:nvSpPr>
+          <p:cNvPr id="6" name="Rechthoek: afgeronde hoeken 5">
+            <a:extLst>
+              <a:ext uri="{FF2B5EF4-FFF2-40B4-BE49-F238E27FC236}">
+                <a16:creationId xmlns:a16="http://schemas.microsoft.com/office/drawing/2014/main" id="{2DE60935-3CD2-471C-B853-5469A4192706}"/>
+              </a:ext>
+            </a:extLst>
+          </p:cNvPr>
+          <p:cNvSpPr/>
+          <p:nvPr/>
+        </p:nvSpPr>
+        <p:spPr>
+          <a:xfrm>
+            <a:off x="10301056" y="3097919"/>
+            <a:ext cx="2520000" cy="720000"/>
+          </a:xfrm>
+          <a:prstGeom prst="roundRect">
+            <a:avLst/>
+          </a:prstGeom>
+          <a:ln/>
+        </p:spPr>
+        <p:style>
+          <a:lnRef idx="2">
+            <a:schemeClr val="accent1">
+              <a:shade val="50000"/>
+            </a:schemeClr>
+          </a:lnRef>
+          <a:fillRef idx="1">
+            <a:schemeClr val="accent1"/>
+          </a:fillRef>
+          <a:effectRef idx="0">
+            <a:schemeClr val="accent1"/>
+          </a:effectRef>
+          <a:fontRef idx="minor">
+            <a:schemeClr val="lt1"/>
+          </a:fontRef>
+        </p:style>
+        <p:txBody>
+          <a:bodyPr rtlCol="0" anchor="ctr"/>
+          <a:lstStyle/>
+          <a:p>
+            <a:pPr algn="ctr"/>
+            <a:r>
+              <a:rPr lang="en-GB" sz="2000" dirty="0">
+                <a:latin typeface="UGent Panno Text" panose="02000506040000040003" pitchFamily="2" charset="0"/>
+              </a:rPr>
+              <a:t>Guest</a:t>
+            </a:r>
+          </a:p>
+        </p:txBody>
+      </p:sp>
+      <p:cxnSp>
+        <p:nvCxnSpPr>
+          <p:cNvPr id="12" name="Rechte verbindingslijn met pijl 11">
+            <a:extLst>
+              <a:ext uri="{FF2B5EF4-FFF2-40B4-BE49-F238E27FC236}">
+                <a16:creationId xmlns:a16="http://schemas.microsoft.com/office/drawing/2014/main" id="{AEB3BF80-8A97-4AE5-9776-807AEF5B0F7E}"/>
+              </a:ext>
+            </a:extLst>
+          </p:cNvPr>
+          <p:cNvCxnSpPr>
+            <a:cxnSpLocks/>
+            <a:stCxn id="6" idx="0"/>
+            <a:endCxn id="5" idx="2"/>
+          </p:cNvCxnSpPr>
+          <p:nvPr/>
+        </p:nvCxnSpPr>
+        <p:spPr>
+          <a:xfrm flipV="1">
+            <a:off x="11561056" y="2419044"/>
+            <a:ext cx="1480144" cy="678875"/>
+          </a:xfrm>
+          <a:prstGeom prst="straightConnector1">
+            <a:avLst/>
+          </a:prstGeom>
+          <a:ln w="76200">
+            <a:prstDash val="solid"/>
+            <a:headEnd type="none" w="med" len="med"/>
+            <a:tailEnd type="none" w="med" len="med"/>
+          </a:ln>
+        </p:spPr>
+        <p:style>
+          <a:lnRef idx="1">
+            <a:schemeClr val="accent1"/>
+          </a:lnRef>
+          <a:fillRef idx="0">
+            <a:schemeClr val="accent1"/>
+          </a:fillRef>
+          <a:effectRef idx="0">
+            <a:schemeClr val="accent1"/>
+          </a:effectRef>
+          <a:fontRef idx="minor">
+            <a:schemeClr val="tx1"/>
+          </a:fontRef>
+        </p:style>
+      </p:cxnSp>
+      <p:cxnSp>
+        <p:nvCxnSpPr>
+          <p:cNvPr id="13" name="Rechte verbindingslijn met pijl 12">
+            <a:extLst>
+              <a:ext uri="{FF2B5EF4-FFF2-40B4-BE49-F238E27FC236}">
+                <a16:creationId xmlns:a16="http://schemas.microsoft.com/office/drawing/2014/main" id="{FD8B16DA-258E-4E0C-8272-91F47245D6BA}"/>
+              </a:ext>
+            </a:extLst>
+          </p:cNvPr>
+          <p:cNvCxnSpPr>
+            <a:cxnSpLocks/>
+            <a:stCxn id="38" idx="0"/>
+            <a:endCxn id="6" idx="2"/>
+          </p:cNvCxnSpPr>
+          <p:nvPr/>
+        </p:nvCxnSpPr>
+        <p:spPr>
+          <a:xfrm flipV="1">
+            <a:off x="11560496" y="3817919"/>
+            <a:ext cx="560" cy="710308"/>
+          </a:xfrm>
+          <a:prstGeom prst="straightConnector1">
+            <a:avLst/>
+          </a:prstGeom>
+          <a:ln w="76200">
+            <a:prstDash val="solid"/>
+            <a:headEnd type="none" w="med" len="med"/>
+            <a:tailEnd type="none" w="med" len="med"/>
+          </a:ln>
+        </p:spPr>
+        <p:style>
+          <a:lnRef idx="1">
+            <a:schemeClr val="accent1"/>
+          </a:lnRef>
+          <a:fillRef idx="0">
+            <a:schemeClr val="accent1"/>
+          </a:fillRef>
+          <a:effectRef idx="0">
+            <a:schemeClr val="accent1"/>
+          </a:effectRef>
+          <a:fontRef idx="minor">
+            <a:schemeClr val="tx1"/>
+          </a:fontRef>
+        </p:style>
+      </p:cxnSp>
+      <p:sp>
+        <p:nvSpPr>
+          <p:cNvPr id="30" name="Rechthoek: afgeronde hoeken 29">
+            <a:extLst>
+              <a:ext uri="{FF2B5EF4-FFF2-40B4-BE49-F238E27FC236}">
+                <a16:creationId xmlns:a16="http://schemas.microsoft.com/office/drawing/2014/main" id="{E983D338-50CC-406D-A2D7-6B32A894B8E2}"/>
+              </a:ext>
+            </a:extLst>
+          </p:cNvPr>
+          <p:cNvSpPr/>
+          <p:nvPr/>
+        </p:nvSpPr>
+        <p:spPr>
+          <a:xfrm>
+            <a:off x="13505338" y="3117383"/>
+            <a:ext cx="2520000" cy="720000"/>
+          </a:xfrm>
+          <a:prstGeom prst="roundRect">
+            <a:avLst/>
+          </a:prstGeom>
+          <a:ln/>
+        </p:spPr>
+        <p:style>
+          <a:lnRef idx="2">
+            <a:schemeClr val="accent1">
+              <a:shade val="50000"/>
+            </a:schemeClr>
+          </a:lnRef>
+          <a:fillRef idx="1">
+            <a:schemeClr val="accent1"/>
+          </a:fillRef>
+          <a:effectRef idx="0">
+            <a:schemeClr val="accent1"/>
+          </a:effectRef>
+          <a:fontRef idx="minor">
+            <a:schemeClr val="lt1"/>
+          </a:fontRef>
+        </p:style>
+        <p:txBody>
+          <a:bodyPr rtlCol="0" anchor="ctr"/>
+          <a:lstStyle/>
+          <a:p>
+            <a:pPr algn="ctr"/>
+            <a:r>
+              <a:rPr lang="en-GB" sz="2000" dirty="0">
+                <a:latin typeface="UGent Panno Text" panose="02000506040000040003" pitchFamily="2" charset="0"/>
+              </a:rPr>
+              <a:t>Host</a:t>
+            </a:r>
+          </a:p>
+        </p:txBody>
+      </p:sp>
+      <p:cxnSp>
+        <p:nvCxnSpPr>
+          <p:cNvPr id="31" name="Rechte verbindingslijn met pijl 30">
+            <a:extLst>
+              <a:ext uri="{FF2B5EF4-FFF2-40B4-BE49-F238E27FC236}">
+                <a16:creationId xmlns:a16="http://schemas.microsoft.com/office/drawing/2014/main" id="{B479CFD3-A798-4CD5-8092-88D080F1AA36}"/>
+              </a:ext>
+            </a:extLst>
+          </p:cNvPr>
+          <p:cNvCxnSpPr>
+            <a:cxnSpLocks/>
+            <a:stCxn id="30" idx="0"/>
+            <a:endCxn id="5" idx="2"/>
+          </p:cNvCxnSpPr>
+          <p:nvPr/>
+        </p:nvCxnSpPr>
+        <p:spPr>
+          <a:xfrm flipH="1" flipV="1">
+            <a:off x="13041200" y="2419044"/>
+            <a:ext cx="1724138" cy="698339"/>
+          </a:xfrm>
+          <a:prstGeom prst="straightConnector1">
+            <a:avLst/>
+          </a:prstGeom>
+          <a:ln w="76200">
+            <a:headEnd type="none" w="med" len="med"/>
+            <a:tailEnd type="none" w="med" len="med"/>
+          </a:ln>
+        </p:spPr>
+        <p:style>
+          <a:lnRef idx="1">
+            <a:schemeClr val="accent1"/>
+          </a:lnRef>
+          <a:fillRef idx="0">
+            <a:schemeClr val="accent1"/>
+          </a:fillRef>
+          <a:effectRef idx="0">
+            <a:schemeClr val="accent1"/>
+          </a:effectRef>
+          <a:fontRef idx="minor">
+            <a:schemeClr val="tx1"/>
+          </a:fontRef>
+        </p:style>
+      </p:cxnSp>
+      <p:sp>
+        <p:nvSpPr>
+          <p:cNvPr id="38" name="Rechthoek: afgeronde hoeken 37">
+            <a:extLst>
+              <a:ext uri="{FF2B5EF4-FFF2-40B4-BE49-F238E27FC236}">
+                <a16:creationId xmlns:a16="http://schemas.microsoft.com/office/drawing/2014/main" id="{009FE138-87BF-450C-A693-29DE0A32EADE}"/>
+              </a:ext>
+            </a:extLst>
+          </p:cNvPr>
+          <p:cNvSpPr/>
+          <p:nvPr/>
+        </p:nvSpPr>
+        <p:spPr>
+          <a:xfrm>
+            <a:off x="10300496" y="4528227"/>
+            <a:ext cx="2520000" cy="720000"/>
+          </a:xfrm>
+          <a:prstGeom prst="roundRect">
+            <a:avLst/>
+          </a:prstGeom>
+          <a:ln/>
+        </p:spPr>
+        <p:style>
+          <a:lnRef idx="2">
+            <a:schemeClr val="accent1">
+              <a:shade val="50000"/>
+            </a:schemeClr>
+          </a:lnRef>
+          <a:fillRef idx="1">
+            <a:schemeClr val="accent1"/>
+          </a:fillRef>
+          <a:effectRef idx="0">
+            <a:schemeClr val="accent1"/>
+          </a:effectRef>
+          <a:fontRef idx="minor">
+            <a:schemeClr val="lt1"/>
+          </a:fontRef>
+        </p:style>
+        <p:txBody>
+          <a:bodyPr rtlCol="0" anchor="ctr"/>
+          <a:lstStyle/>
+          <a:p>
+            <a:pPr algn="ctr"/>
+            <a:r>
+              <a:rPr lang="en-GB" sz="2000" dirty="0">
+                <a:latin typeface="UGent Panno Text" panose="02000506040000040003" pitchFamily="2" charset="0"/>
+              </a:rPr>
+              <a:t>Player</a:t>
+            </a:r>
+          </a:p>
+        </p:txBody>
+      </p:sp>
+      <p:sp>
+        <p:nvSpPr>
+          <p:cNvPr id="41" name="Rechthoek: afgeronde hoeken 40">
+            <a:extLst>
+              <a:ext uri="{FF2B5EF4-FFF2-40B4-BE49-F238E27FC236}">
+                <a16:creationId xmlns:a16="http://schemas.microsoft.com/office/drawing/2014/main" id="{995A43F3-3442-45CF-A19A-2EEDFA98138A}"/>
+              </a:ext>
+            </a:extLst>
+          </p:cNvPr>
+          <p:cNvSpPr/>
+          <p:nvPr/>
+        </p:nvSpPr>
+        <p:spPr>
+          <a:xfrm>
+            <a:off x="13505338" y="4535722"/>
+            <a:ext cx="2520000" cy="720000"/>
+          </a:xfrm>
+          <a:prstGeom prst="roundRect">
+            <a:avLst/>
+          </a:prstGeom>
+          <a:ln/>
+        </p:spPr>
+        <p:style>
+          <a:lnRef idx="2">
+            <a:schemeClr val="accent1">
+              <a:shade val="50000"/>
+            </a:schemeClr>
+          </a:lnRef>
+          <a:fillRef idx="1">
+            <a:schemeClr val="accent1"/>
+          </a:fillRef>
+          <a:effectRef idx="0">
+            <a:schemeClr val="accent1"/>
+          </a:effectRef>
+          <a:fontRef idx="minor">
+            <a:schemeClr val="lt1"/>
+          </a:fontRef>
+        </p:style>
+        <p:txBody>
+          <a:bodyPr rtlCol="0" anchor="ctr"/>
+          <a:lstStyle/>
+          <a:p>
+            <a:pPr algn="ctr"/>
+            <a:r>
+              <a:rPr lang="en-GB" sz="2000" dirty="0">
+                <a:latin typeface="UGent Panno Text" panose="02000506040000040003" pitchFamily="2" charset="0"/>
+              </a:rPr>
+              <a:t>Quizmaster</a:t>
+            </a:r>
+          </a:p>
+        </p:txBody>
+      </p:sp>
+      <p:cxnSp>
+        <p:nvCxnSpPr>
+          <p:cNvPr id="42" name="Rechte verbindingslijn met pijl 41">
+            <a:extLst>
+              <a:ext uri="{FF2B5EF4-FFF2-40B4-BE49-F238E27FC236}">
+                <a16:creationId xmlns:a16="http://schemas.microsoft.com/office/drawing/2014/main" id="{6809E212-2971-493E-ABDA-9C618F7A2030}"/>
+              </a:ext>
+            </a:extLst>
+          </p:cNvPr>
+          <p:cNvCxnSpPr>
+            <a:cxnSpLocks/>
+            <a:stCxn id="41" idx="0"/>
+            <a:endCxn id="30" idx="2"/>
+          </p:cNvCxnSpPr>
+          <p:nvPr/>
+        </p:nvCxnSpPr>
+        <p:spPr>
+          <a:xfrm flipV="1">
+            <a:off x="14765338" y="3837383"/>
+            <a:ext cx="0" cy="698339"/>
+          </a:xfrm>
+          <a:prstGeom prst="straightConnector1">
+            <a:avLst/>
+          </a:prstGeom>
+          <a:ln w="76200">
+            <a:headEnd type="none" w="med" len="med"/>
+            <a:tailEnd type="none" w="med" len="med"/>
+          </a:ln>
+        </p:spPr>
+        <p:style>
+          <a:lnRef idx="1">
+            <a:schemeClr val="accent1"/>
+          </a:lnRef>
+          <a:fillRef idx="0">
+            <a:schemeClr val="accent1"/>
+          </a:fillRef>
+          <a:effectRef idx="0">
+            <a:schemeClr val="accent1"/>
+          </a:effectRef>
+          <a:fontRef idx="minor">
+            <a:schemeClr val="tx1"/>
+          </a:fontRef>
+        </p:style>
+      </p:cxnSp>
+      <p:sp>
+        <p:nvSpPr>
+          <p:cNvPr id="66" name="Rechthoek: afgeronde hoeken 65">
+            <a:extLst>
+              <a:ext uri="{FF2B5EF4-FFF2-40B4-BE49-F238E27FC236}">
+                <a16:creationId xmlns:a16="http://schemas.microsoft.com/office/drawing/2014/main" id="{ED9B8CAE-0D77-44FD-BEED-BE861DD46A2E}"/>
+              </a:ext>
+            </a:extLst>
+          </p:cNvPr>
+          <p:cNvSpPr/>
+          <p:nvPr/>
+        </p:nvSpPr>
+        <p:spPr>
+          <a:xfrm>
+            <a:off x="1467862" y="1699044"/>
+            <a:ext cx="2520000" cy="2938819"/>
+          </a:xfrm>
+          <a:prstGeom prst="roundRect">
+            <a:avLst/>
+          </a:prstGeom>
+          <a:ln/>
+        </p:spPr>
+        <p:style>
+          <a:lnRef idx="2">
+            <a:schemeClr val="accent1">
+              <a:shade val="50000"/>
+            </a:schemeClr>
+          </a:lnRef>
+          <a:fillRef idx="1">
+            <a:schemeClr val="accent1"/>
+          </a:fillRef>
+          <a:effectRef idx="0">
+            <a:schemeClr val="accent1"/>
+          </a:effectRef>
+          <a:fontRef idx="minor">
+            <a:schemeClr val="lt1"/>
+          </a:fontRef>
+        </p:style>
+        <p:txBody>
+          <a:bodyPr rtlCol="0" anchor="t"/>
+          <a:lstStyle/>
+          <a:p>
+            <a:pPr algn="ctr"/>
+            <a:r>
+              <a:rPr lang="en-GB" sz="2000" dirty="0">
+                <a:latin typeface="UGent Panno Text" panose="02000506040000040003" pitchFamily="2" charset="0"/>
+              </a:rPr>
+              <a:t>Quiz</a:t>
+            </a:r>
+            <a:endParaRPr lang="nl-BE" sz="2000" dirty="0">
+              <a:latin typeface="UGent Panno Text" panose="02000506040000040003" pitchFamily="2" charset="0"/>
+            </a:endParaRPr>
+          </a:p>
+        </p:txBody>
+      </p:sp>
+      <p:sp>
+        <p:nvSpPr>
+          <p:cNvPr id="67" name="Rechthoek: afgeronde hoeken 66">
+            <a:extLst>
+              <a:ext uri="{FF2B5EF4-FFF2-40B4-BE49-F238E27FC236}">
+                <a16:creationId xmlns:a16="http://schemas.microsoft.com/office/drawing/2014/main" id="{7260B733-957D-4A36-BF37-813162CFF016}"/>
+              </a:ext>
+            </a:extLst>
+          </p:cNvPr>
+          <p:cNvSpPr/>
+          <p:nvPr/>
+        </p:nvSpPr>
+        <p:spPr>
+          <a:xfrm>
+            <a:off x="1467862" y="2267343"/>
+            <a:ext cx="2520000" cy="2370519"/>
+          </a:xfrm>
+          <a:prstGeom prst="roundRect">
+            <a:avLst>
+              <a:gd name="adj" fmla="val 17189"/>
+            </a:avLst>
+          </a:prstGeom>
+          <a:solidFill>
+            <a:schemeClr val="bg1"/>
+          </a:solidFill>
+          <a:ln/>
+        </p:spPr>
+        <p:style>
+          <a:lnRef idx="2">
+            <a:schemeClr val="accent1">
+              <a:shade val="50000"/>
+            </a:schemeClr>
+          </a:lnRef>
+          <a:fillRef idx="1">
+            <a:schemeClr val="accent1"/>
+          </a:fillRef>
+          <a:effectRef idx="0">
+            <a:schemeClr val="accent1"/>
+          </a:effectRef>
+          <a:fontRef idx="minor">
+            <a:schemeClr val="lt1"/>
+          </a:fontRef>
+        </p:style>
+        <p:txBody>
+          <a:bodyPr rtlCol="0" anchor="t"/>
+          <a:lstStyle/>
+          <a:p>
+            <a:pPr marL="342900" indent="-342900">
+              <a:buFontTx/>
+              <a:buChar char="-"/>
+            </a:pPr>
+            <a:r>
+              <a:rPr lang="en-GB" sz="2000" dirty="0">
+                <a:solidFill>
+                  <a:srgbClr val="1E64C8"/>
+                </a:solidFill>
+                <a:latin typeface="UGent Panno Text" panose="02000506040000040003" pitchFamily="2" charset="0"/>
+              </a:rPr>
+              <a:t>Teams</a:t>
+            </a:r>
+          </a:p>
+          <a:p>
+            <a:pPr marL="342900" indent="-342900">
+              <a:buFontTx/>
+              <a:buChar char="-"/>
+            </a:pPr>
+            <a:r>
+              <a:rPr lang="en-GB" sz="2000" dirty="0" err="1">
+                <a:solidFill>
+                  <a:srgbClr val="1E64C8"/>
+                </a:solidFill>
+                <a:latin typeface="UGent Panno Text" panose="02000506040000040003" pitchFamily="2" charset="0"/>
+              </a:rPr>
+              <a:t>Vrije</a:t>
+            </a:r>
+            <a:r>
+              <a:rPr lang="en-GB" sz="2000" dirty="0">
+                <a:solidFill>
+                  <a:srgbClr val="1E64C8"/>
+                </a:solidFill>
+                <a:latin typeface="UGent Panno Text" panose="02000506040000040003" pitchFamily="2" charset="0"/>
+              </a:rPr>
+              <a:t> players</a:t>
+            </a:r>
+          </a:p>
+          <a:p>
+            <a:pPr marL="342900" indent="-342900">
+              <a:buFontTx/>
+              <a:buChar char="-"/>
+            </a:pPr>
+            <a:r>
+              <a:rPr lang="en-GB" sz="2000" dirty="0">
+                <a:solidFill>
+                  <a:srgbClr val="1E64C8"/>
+                </a:solidFill>
+                <a:latin typeface="UGent Panno Text" panose="02000506040000040003" pitchFamily="2" charset="0"/>
+              </a:rPr>
+              <a:t>Quizmaster</a:t>
+            </a:r>
+          </a:p>
+          <a:p>
+            <a:pPr marL="342900" indent="-342900">
+              <a:buFontTx/>
+              <a:buChar char="-"/>
+            </a:pPr>
+            <a:r>
+              <a:rPr lang="en-GB" sz="2000" dirty="0">
+                <a:solidFill>
+                  <a:srgbClr val="1E64C8"/>
+                </a:solidFill>
+                <a:latin typeface="UGent Panno Text" panose="02000506040000040003" pitchFamily="2" charset="0"/>
+              </a:rPr>
+              <a:t>Ronde</a:t>
+            </a:r>
+          </a:p>
+          <a:p>
+            <a:pPr marL="342900" indent="-342900">
+              <a:buFontTx/>
+              <a:buChar char="-"/>
+            </a:pPr>
+            <a:r>
+              <a:rPr lang="en-GB" sz="2000" dirty="0">
+                <a:solidFill>
+                  <a:srgbClr val="1E64C8"/>
+                </a:solidFill>
+                <a:latin typeface="UGent Panno Text" panose="02000506040000040003" pitchFamily="2" charset="0"/>
+              </a:rPr>
+              <a:t>Score</a:t>
+            </a:r>
+          </a:p>
+          <a:p>
+            <a:pPr marL="342900" indent="-342900">
+              <a:buFontTx/>
+              <a:buChar char="-"/>
+            </a:pPr>
+            <a:r>
+              <a:rPr lang="en-GB" sz="2000" dirty="0">
+                <a:solidFill>
+                  <a:srgbClr val="1E64C8"/>
+                </a:solidFill>
+                <a:latin typeface="UGent Panno Text" panose="02000506040000040003" pitchFamily="2" charset="0"/>
+              </a:rPr>
+              <a:t>Chat</a:t>
+            </a:r>
+          </a:p>
+          <a:p>
+            <a:pPr marL="342900" indent="-342900">
+              <a:buFontTx/>
+              <a:buChar char="-"/>
+            </a:pPr>
+            <a:r>
+              <a:rPr lang="en-GB" sz="2000" dirty="0" err="1">
+                <a:solidFill>
+                  <a:srgbClr val="1E64C8"/>
+                </a:solidFill>
+                <a:latin typeface="UGent Panno Text" panose="02000506040000040003" pitchFamily="2" charset="0"/>
+              </a:rPr>
+              <a:t>Instellingen</a:t>
+            </a:r>
+            <a:endParaRPr lang="en-GB" sz="2000" dirty="0">
+              <a:solidFill>
+                <a:srgbClr val="1E64C8"/>
+              </a:solidFill>
+              <a:latin typeface="UGent Panno Text" panose="02000506040000040003" pitchFamily="2" charset="0"/>
+            </a:endParaRPr>
+          </a:p>
+          <a:p>
+            <a:pPr marL="342900" indent="-342900">
+              <a:buFontTx/>
+              <a:buChar char="-"/>
+            </a:pPr>
+            <a:endParaRPr lang="en-GB" sz="2000" dirty="0">
+              <a:solidFill>
+                <a:srgbClr val="1E64C8"/>
+              </a:solidFill>
+              <a:latin typeface="UGent Panno Text" panose="02000506040000040003" pitchFamily="2" charset="0"/>
+            </a:endParaRPr>
+          </a:p>
+          <a:p>
+            <a:pPr marL="342900" indent="-342900">
+              <a:buFontTx/>
+              <a:buChar char="-"/>
+            </a:pPr>
+            <a:endParaRPr lang="en-GB" sz="2000" dirty="0">
+              <a:solidFill>
+                <a:srgbClr val="1E64C8"/>
+              </a:solidFill>
+              <a:latin typeface="UGent Panno Text" panose="02000506040000040003" pitchFamily="2" charset="0"/>
+            </a:endParaRPr>
+          </a:p>
+        </p:txBody>
+      </p:sp>
+      <p:sp>
+        <p:nvSpPr>
+          <p:cNvPr id="68" name="Rechthoek: afgeronde hoeken 67">
+            <a:extLst>
+              <a:ext uri="{FF2B5EF4-FFF2-40B4-BE49-F238E27FC236}">
+                <a16:creationId xmlns:a16="http://schemas.microsoft.com/office/drawing/2014/main" id="{39B28319-A0BD-4B4C-9264-EE0995CA4CDE}"/>
+              </a:ext>
+            </a:extLst>
+          </p:cNvPr>
+          <p:cNvSpPr/>
+          <p:nvPr/>
+        </p:nvSpPr>
+        <p:spPr>
+          <a:xfrm>
+            <a:off x="5884179" y="5659615"/>
+            <a:ext cx="2520000" cy="1697149"/>
+          </a:xfrm>
+          <a:prstGeom prst="roundRect">
+            <a:avLst/>
+          </a:prstGeom>
+          <a:ln/>
+        </p:spPr>
+        <p:style>
+          <a:lnRef idx="2">
+            <a:schemeClr val="accent1">
+              <a:shade val="50000"/>
+            </a:schemeClr>
+          </a:lnRef>
+          <a:fillRef idx="1">
+            <a:schemeClr val="accent1"/>
+          </a:fillRef>
+          <a:effectRef idx="0">
+            <a:schemeClr val="accent1"/>
+          </a:effectRef>
+          <a:fontRef idx="minor">
+            <a:schemeClr val="lt1"/>
+          </a:fontRef>
+        </p:style>
+        <p:txBody>
+          <a:bodyPr rtlCol="0" anchor="t"/>
+          <a:lstStyle/>
+          <a:p>
+            <a:pPr algn="ctr"/>
+            <a:r>
+              <a:rPr lang="en-GB" sz="2000" dirty="0">
+                <a:latin typeface="UGent Panno Text" panose="02000506040000040003" pitchFamily="2" charset="0"/>
+              </a:rPr>
+              <a:t>Team</a:t>
+            </a:r>
+            <a:endParaRPr lang="nl-BE" sz="2000" dirty="0">
+              <a:latin typeface="UGent Panno Text" panose="02000506040000040003" pitchFamily="2" charset="0"/>
+            </a:endParaRPr>
+          </a:p>
+        </p:txBody>
+      </p:sp>
+      <p:sp>
+        <p:nvSpPr>
+          <p:cNvPr id="69" name="Rechthoek: afgeronde hoeken 68">
+            <a:extLst>
+              <a:ext uri="{FF2B5EF4-FFF2-40B4-BE49-F238E27FC236}">
+                <a16:creationId xmlns:a16="http://schemas.microsoft.com/office/drawing/2014/main" id="{5A350855-A024-48BF-9E55-4A2C177B42F3}"/>
+              </a:ext>
+            </a:extLst>
+          </p:cNvPr>
+          <p:cNvSpPr/>
+          <p:nvPr/>
+        </p:nvSpPr>
+        <p:spPr>
+          <a:xfrm>
+            <a:off x="5884179" y="6227913"/>
+            <a:ext cx="2520000" cy="1128851"/>
+          </a:xfrm>
+          <a:prstGeom prst="roundRect">
+            <a:avLst>
+              <a:gd name="adj" fmla="val 17189"/>
+            </a:avLst>
+          </a:prstGeom>
+          <a:solidFill>
+            <a:schemeClr val="bg1"/>
+          </a:solidFill>
+          <a:ln/>
+        </p:spPr>
+        <p:style>
+          <a:lnRef idx="2">
+            <a:schemeClr val="accent1">
+              <a:shade val="50000"/>
+            </a:schemeClr>
+          </a:lnRef>
+          <a:fillRef idx="1">
+            <a:schemeClr val="accent1"/>
+          </a:fillRef>
+          <a:effectRef idx="0">
+            <a:schemeClr val="accent1"/>
+          </a:effectRef>
+          <a:fontRef idx="minor">
+            <a:schemeClr val="lt1"/>
+          </a:fontRef>
+        </p:style>
+        <p:txBody>
+          <a:bodyPr rtlCol="0" anchor="t"/>
+          <a:lstStyle/>
+          <a:p>
+            <a:pPr marL="342900" indent="-342900">
+              <a:buFontTx/>
+              <a:buChar char="-"/>
+            </a:pPr>
+            <a:r>
+              <a:rPr lang="en-GB" sz="2000" dirty="0" err="1">
+                <a:solidFill>
+                  <a:srgbClr val="1E64C8"/>
+                </a:solidFill>
+                <a:latin typeface="UGent Panno Text" panose="02000506040000040003" pitchFamily="2" charset="0"/>
+              </a:rPr>
+              <a:t>Naam</a:t>
+            </a:r>
+            <a:endParaRPr lang="en-GB" sz="2000" dirty="0">
+              <a:solidFill>
+                <a:srgbClr val="1E64C8"/>
+              </a:solidFill>
+              <a:latin typeface="UGent Panno Text" panose="02000506040000040003" pitchFamily="2" charset="0"/>
+            </a:endParaRPr>
+          </a:p>
+          <a:p>
+            <a:pPr marL="342900" indent="-342900">
+              <a:buFontTx/>
+              <a:buChar char="-"/>
+            </a:pPr>
+            <a:r>
+              <a:rPr lang="en-GB" sz="2000" dirty="0">
+                <a:solidFill>
+                  <a:srgbClr val="1E64C8"/>
+                </a:solidFill>
+                <a:latin typeface="UGent Panno Text" panose="02000506040000040003" pitchFamily="2" charset="0"/>
+              </a:rPr>
+              <a:t>Players</a:t>
+            </a:r>
+          </a:p>
+          <a:p>
+            <a:pPr marL="342900" indent="-342900">
+              <a:buFontTx/>
+              <a:buChar char="-"/>
+            </a:pPr>
+            <a:r>
+              <a:rPr lang="en-GB" sz="2000" dirty="0" err="1">
+                <a:solidFill>
+                  <a:srgbClr val="1E64C8"/>
+                </a:solidFill>
+                <a:latin typeface="UGent Panno Text" panose="02000506040000040003" pitchFamily="2" charset="0"/>
+              </a:rPr>
+              <a:t>Kleur</a:t>
+            </a:r>
+            <a:endParaRPr lang="en-GB" sz="2000" dirty="0">
+              <a:solidFill>
+                <a:srgbClr val="1E64C8"/>
+              </a:solidFill>
+              <a:latin typeface="UGent Panno Text" panose="02000506040000040003" pitchFamily="2" charset="0"/>
+            </a:endParaRPr>
+          </a:p>
+          <a:p>
+            <a:pPr marL="342900" indent="-342900">
+              <a:buFontTx/>
+              <a:buChar char="-"/>
+            </a:pPr>
+            <a:endParaRPr lang="en-GB" sz="2000" dirty="0">
+              <a:solidFill>
+                <a:srgbClr val="1E64C8"/>
+              </a:solidFill>
+              <a:latin typeface="UGent Panno Text" panose="02000506040000040003" pitchFamily="2" charset="0"/>
+            </a:endParaRPr>
+          </a:p>
+        </p:txBody>
+      </p:sp>
+      <p:sp>
+        <p:nvSpPr>
+          <p:cNvPr id="70" name="Rechthoek: afgeronde hoeken 69">
+            <a:extLst>
+              <a:ext uri="{FF2B5EF4-FFF2-40B4-BE49-F238E27FC236}">
+                <a16:creationId xmlns:a16="http://schemas.microsoft.com/office/drawing/2014/main" id="{315817BF-B8D7-4CEB-83A5-4100430D40A3}"/>
+              </a:ext>
+            </a:extLst>
+          </p:cNvPr>
+          <p:cNvSpPr/>
+          <p:nvPr/>
+        </p:nvSpPr>
+        <p:spPr>
+          <a:xfrm>
+            <a:off x="5884179" y="1941747"/>
+            <a:ext cx="2520000" cy="2312343"/>
+          </a:xfrm>
+          <a:prstGeom prst="roundRect">
+            <a:avLst/>
+          </a:prstGeom>
+          <a:ln/>
+        </p:spPr>
+        <p:style>
+          <a:lnRef idx="2">
+            <a:schemeClr val="accent1">
+              <a:shade val="50000"/>
+            </a:schemeClr>
+          </a:lnRef>
+          <a:fillRef idx="1">
+            <a:schemeClr val="accent1"/>
+          </a:fillRef>
+          <a:effectRef idx="0">
+            <a:schemeClr val="accent1"/>
+          </a:effectRef>
+          <a:fontRef idx="minor">
+            <a:schemeClr val="lt1"/>
+          </a:fontRef>
+        </p:style>
+        <p:txBody>
+          <a:bodyPr rtlCol="0" anchor="t"/>
+          <a:lstStyle/>
+          <a:p>
+            <a:pPr algn="ctr"/>
+            <a:r>
+              <a:rPr lang="en-GB" sz="2000" dirty="0" err="1">
+                <a:latin typeface="UGent Panno Text" panose="02000506040000040003" pitchFamily="2" charset="0"/>
+              </a:rPr>
+              <a:t>Vraag</a:t>
+            </a:r>
+            <a:endParaRPr lang="nl-BE" sz="2000" dirty="0">
+              <a:latin typeface="UGent Panno Text" panose="02000506040000040003" pitchFamily="2" charset="0"/>
+            </a:endParaRPr>
+          </a:p>
+        </p:txBody>
+      </p:sp>
+      <p:sp>
+        <p:nvSpPr>
+          <p:cNvPr id="71" name="Rechthoek: afgeronde hoeken 70">
+            <a:extLst>
+              <a:ext uri="{FF2B5EF4-FFF2-40B4-BE49-F238E27FC236}">
+                <a16:creationId xmlns:a16="http://schemas.microsoft.com/office/drawing/2014/main" id="{6DF66A4F-5AC2-4557-832F-CA033A29D20E}"/>
+              </a:ext>
+            </a:extLst>
+          </p:cNvPr>
+          <p:cNvSpPr/>
+          <p:nvPr/>
+        </p:nvSpPr>
+        <p:spPr>
+          <a:xfrm>
+            <a:off x="5884179" y="2510045"/>
+            <a:ext cx="2520000" cy="1744043"/>
+          </a:xfrm>
+          <a:prstGeom prst="roundRect">
+            <a:avLst>
+              <a:gd name="adj" fmla="val 17189"/>
+            </a:avLst>
+          </a:prstGeom>
+          <a:solidFill>
+            <a:schemeClr val="bg1"/>
+          </a:solidFill>
+          <a:ln/>
+        </p:spPr>
+        <p:style>
+          <a:lnRef idx="2">
+            <a:schemeClr val="accent1">
+              <a:shade val="50000"/>
+            </a:schemeClr>
+          </a:lnRef>
+          <a:fillRef idx="1">
+            <a:schemeClr val="accent1"/>
+          </a:fillRef>
+          <a:effectRef idx="0">
+            <a:schemeClr val="accent1"/>
+          </a:effectRef>
+          <a:fontRef idx="minor">
+            <a:schemeClr val="lt1"/>
+          </a:fontRef>
+        </p:style>
+        <p:txBody>
+          <a:bodyPr rtlCol="0" anchor="t"/>
+          <a:lstStyle/>
+          <a:p>
+            <a:pPr marL="342900" indent="-342900">
+              <a:buFontTx/>
+              <a:buChar char="-"/>
+            </a:pPr>
+            <a:r>
+              <a:rPr lang="en-GB" sz="2000" dirty="0" err="1">
+                <a:solidFill>
+                  <a:srgbClr val="1E64C8"/>
+                </a:solidFill>
+                <a:latin typeface="UGent Panno Text" panose="02000506040000040003" pitchFamily="2" charset="0"/>
+              </a:rPr>
+              <a:t>Tijd</a:t>
+            </a:r>
+            <a:endParaRPr lang="en-GB" sz="2000" dirty="0">
+              <a:solidFill>
+                <a:srgbClr val="1E64C8"/>
+              </a:solidFill>
+              <a:latin typeface="UGent Panno Text" panose="02000506040000040003" pitchFamily="2" charset="0"/>
+            </a:endParaRPr>
+          </a:p>
+          <a:p>
+            <a:pPr marL="342900" indent="-342900">
+              <a:buFontTx/>
+              <a:buChar char="-"/>
+            </a:pPr>
+            <a:r>
+              <a:rPr lang="en-GB" sz="2000" dirty="0">
+                <a:solidFill>
+                  <a:srgbClr val="1E64C8"/>
+                </a:solidFill>
+                <a:latin typeface="UGent Panno Text" panose="02000506040000040003" pitchFamily="2" charset="0"/>
+              </a:rPr>
+              <a:t>Text</a:t>
+            </a:r>
+          </a:p>
+          <a:p>
+            <a:pPr marL="342900" indent="-342900">
+              <a:buFontTx/>
+              <a:buChar char="-"/>
+            </a:pPr>
+            <a:r>
+              <a:rPr lang="en-GB" sz="2000" dirty="0" err="1">
+                <a:solidFill>
+                  <a:srgbClr val="1E64C8"/>
+                </a:solidFill>
+                <a:latin typeface="UGent Panno Text" panose="02000506040000040003" pitchFamily="2" charset="0"/>
+              </a:rPr>
+              <a:t>Afbeelding</a:t>
+            </a:r>
+            <a:endParaRPr lang="en-GB" sz="2000" dirty="0">
+              <a:solidFill>
+                <a:srgbClr val="1E64C8"/>
+              </a:solidFill>
+              <a:latin typeface="UGent Panno Text" panose="02000506040000040003" pitchFamily="2" charset="0"/>
+            </a:endParaRPr>
+          </a:p>
+          <a:p>
+            <a:pPr marL="342900" indent="-342900">
+              <a:buFontTx/>
+              <a:buChar char="-"/>
+            </a:pPr>
+            <a:r>
+              <a:rPr lang="en-GB" sz="2000" dirty="0" err="1">
+                <a:solidFill>
+                  <a:srgbClr val="1E64C8"/>
+                </a:solidFill>
+                <a:latin typeface="UGent Panno Text" panose="02000506040000040003" pitchFamily="2" charset="0"/>
+              </a:rPr>
+              <a:t>Opties</a:t>
+            </a:r>
+            <a:endParaRPr lang="en-GB" sz="2000" dirty="0">
+              <a:solidFill>
+                <a:srgbClr val="1E64C8"/>
+              </a:solidFill>
+              <a:latin typeface="UGent Panno Text" panose="02000506040000040003" pitchFamily="2" charset="0"/>
+            </a:endParaRPr>
+          </a:p>
+          <a:p>
+            <a:pPr marL="342900" indent="-342900">
+              <a:buFontTx/>
+              <a:buChar char="-"/>
+            </a:pPr>
+            <a:r>
+              <a:rPr lang="en-GB" sz="2000" dirty="0" err="1">
+                <a:solidFill>
+                  <a:srgbClr val="1E64C8"/>
+                </a:solidFill>
+                <a:latin typeface="UGent Panno Text" panose="02000506040000040003" pitchFamily="2" charset="0"/>
+              </a:rPr>
+              <a:t>Antwoord</a:t>
+            </a:r>
+            <a:endParaRPr lang="en-GB" sz="2000" dirty="0">
+              <a:solidFill>
+                <a:srgbClr val="1E64C8"/>
+              </a:solidFill>
+              <a:latin typeface="UGent Panno Text" panose="02000506040000040003" pitchFamily="2" charset="0"/>
+            </a:endParaRPr>
+          </a:p>
+          <a:p>
+            <a:pPr marL="342900" indent="-342900">
+              <a:buFontTx/>
+              <a:buChar char="-"/>
+            </a:pPr>
+            <a:endParaRPr lang="en-GB" sz="2000" dirty="0">
+              <a:solidFill>
+                <a:srgbClr val="1E64C8"/>
+              </a:solidFill>
+              <a:latin typeface="UGent Panno Text" panose="02000506040000040003" pitchFamily="2" charset="0"/>
+            </a:endParaRPr>
+          </a:p>
+        </p:txBody>
+      </p:sp>
+      <p:sp>
+        <p:nvSpPr>
+          <p:cNvPr id="72" name="Rechthoek: afgeronde hoeken 71">
+            <a:extLst>
+              <a:ext uri="{FF2B5EF4-FFF2-40B4-BE49-F238E27FC236}">
+                <a16:creationId xmlns:a16="http://schemas.microsoft.com/office/drawing/2014/main" id="{EB9568C9-76A8-48A2-80CE-CA0C03670FDD}"/>
+              </a:ext>
+            </a:extLst>
+          </p:cNvPr>
+          <p:cNvSpPr/>
+          <p:nvPr/>
+        </p:nvSpPr>
+        <p:spPr>
+          <a:xfrm>
+            <a:off x="1467862" y="5321257"/>
+            <a:ext cx="2520000" cy="2035507"/>
+          </a:xfrm>
+          <a:prstGeom prst="roundRect">
+            <a:avLst/>
+          </a:prstGeom>
+          <a:ln/>
+        </p:spPr>
+        <p:style>
+          <a:lnRef idx="2">
+            <a:schemeClr val="accent1">
+              <a:shade val="50000"/>
+            </a:schemeClr>
+          </a:lnRef>
+          <a:fillRef idx="1">
+            <a:schemeClr val="accent1"/>
+          </a:fillRef>
+          <a:effectRef idx="0">
+            <a:schemeClr val="accent1"/>
+          </a:effectRef>
+          <a:fontRef idx="minor">
+            <a:schemeClr val="lt1"/>
+          </a:fontRef>
+        </p:style>
+        <p:txBody>
+          <a:bodyPr rtlCol="0" anchor="t"/>
+          <a:lstStyle/>
+          <a:p>
+            <a:pPr algn="ctr"/>
+            <a:r>
+              <a:rPr lang="en-GB" sz="2000" dirty="0">
+                <a:latin typeface="UGent Panno Text" panose="02000506040000040003" pitchFamily="2" charset="0"/>
+              </a:rPr>
+              <a:t>Ronde</a:t>
+            </a:r>
+            <a:endParaRPr lang="nl-BE" sz="2000" dirty="0">
+              <a:latin typeface="UGent Panno Text" panose="02000506040000040003" pitchFamily="2" charset="0"/>
+            </a:endParaRPr>
+          </a:p>
+        </p:txBody>
+      </p:sp>
+      <p:sp>
+        <p:nvSpPr>
+          <p:cNvPr id="73" name="Rechthoek: afgeronde hoeken 72">
+            <a:extLst>
+              <a:ext uri="{FF2B5EF4-FFF2-40B4-BE49-F238E27FC236}">
+                <a16:creationId xmlns:a16="http://schemas.microsoft.com/office/drawing/2014/main" id="{5F6E309E-6AD4-4FB7-B45E-4D9F3312F4DC}"/>
+              </a:ext>
+            </a:extLst>
+          </p:cNvPr>
+          <p:cNvSpPr/>
+          <p:nvPr/>
+        </p:nvSpPr>
+        <p:spPr>
+          <a:xfrm>
+            <a:off x="1467862" y="5889556"/>
+            <a:ext cx="2520000" cy="1467208"/>
+          </a:xfrm>
+          <a:prstGeom prst="roundRect">
+            <a:avLst>
+              <a:gd name="adj" fmla="val 17189"/>
+            </a:avLst>
+          </a:prstGeom>
+          <a:solidFill>
+            <a:schemeClr val="bg1"/>
+          </a:solidFill>
+          <a:ln/>
+        </p:spPr>
+        <p:style>
+          <a:lnRef idx="2">
+            <a:schemeClr val="accent1">
+              <a:shade val="50000"/>
+            </a:schemeClr>
+          </a:lnRef>
+          <a:fillRef idx="1">
+            <a:schemeClr val="accent1"/>
+          </a:fillRef>
+          <a:effectRef idx="0">
+            <a:schemeClr val="accent1"/>
+          </a:effectRef>
+          <a:fontRef idx="minor">
+            <a:schemeClr val="lt1"/>
+          </a:fontRef>
+        </p:style>
+        <p:txBody>
+          <a:bodyPr rtlCol="0" anchor="t"/>
+          <a:lstStyle/>
+          <a:p>
+            <a:pPr marL="342900" indent="-342900">
+              <a:buFontTx/>
+              <a:buChar char="-"/>
+            </a:pPr>
+            <a:r>
+              <a:rPr lang="en-GB" sz="2000" dirty="0" err="1">
+                <a:solidFill>
+                  <a:srgbClr val="1E64C8"/>
+                </a:solidFill>
+                <a:latin typeface="UGent Panno Text" panose="02000506040000040003" pitchFamily="2" charset="0"/>
+              </a:rPr>
+              <a:t>Thema</a:t>
+            </a:r>
+            <a:endParaRPr lang="en-GB" sz="2000" dirty="0">
+              <a:solidFill>
+                <a:srgbClr val="1E64C8"/>
+              </a:solidFill>
+              <a:latin typeface="UGent Panno Text" panose="02000506040000040003" pitchFamily="2" charset="0"/>
+            </a:endParaRPr>
+          </a:p>
+          <a:p>
+            <a:pPr marL="342900" indent="-342900">
+              <a:buFontTx/>
+              <a:buChar char="-"/>
+            </a:pPr>
+            <a:r>
+              <a:rPr lang="en-GB" sz="2000" dirty="0" err="1">
+                <a:solidFill>
+                  <a:srgbClr val="1E64C8"/>
+                </a:solidFill>
+                <a:latin typeface="UGent Panno Text" panose="02000506040000040003" pitchFamily="2" charset="0"/>
+              </a:rPr>
+              <a:t>Moeilijkheidsgraad</a:t>
+            </a:r>
+            <a:endParaRPr lang="en-GB" sz="2000" dirty="0">
+              <a:solidFill>
+                <a:srgbClr val="1E64C8"/>
+              </a:solidFill>
+              <a:latin typeface="UGent Panno Text" panose="02000506040000040003" pitchFamily="2" charset="0"/>
+            </a:endParaRPr>
+          </a:p>
+          <a:p>
+            <a:pPr marL="342900" indent="-342900">
+              <a:buFontTx/>
+              <a:buChar char="-"/>
+            </a:pPr>
+            <a:r>
+              <a:rPr lang="en-GB" sz="2000" dirty="0" err="1">
+                <a:solidFill>
+                  <a:srgbClr val="1E64C8"/>
+                </a:solidFill>
+                <a:latin typeface="UGent Panno Text" panose="02000506040000040003" pitchFamily="2" charset="0"/>
+              </a:rPr>
+              <a:t>Huidige</a:t>
+            </a:r>
+            <a:r>
+              <a:rPr lang="en-GB" sz="2000" dirty="0">
+                <a:solidFill>
+                  <a:srgbClr val="1E64C8"/>
+                </a:solidFill>
+                <a:latin typeface="UGent Panno Text" panose="02000506040000040003" pitchFamily="2" charset="0"/>
+              </a:rPr>
+              <a:t> </a:t>
+            </a:r>
+            <a:r>
+              <a:rPr lang="en-GB" sz="2000" dirty="0" err="1">
+                <a:solidFill>
+                  <a:srgbClr val="1E64C8"/>
+                </a:solidFill>
+                <a:latin typeface="UGent Panno Text" panose="02000506040000040003" pitchFamily="2" charset="0"/>
+              </a:rPr>
+              <a:t>vraag</a:t>
+            </a:r>
+            <a:endParaRPr lang="en-GB" sz="2000" dirty="0">
+              <a:solidFill>
+                <a:srgbClr val="1E64C8"/>
+              </a:solidFill>
+              <a:latin typeface="UGent Panno Text" panose="02000506040000040003" pitchFamily="2" charset="0"/>
+            </a:endParaRPr>
+          </a:p>
+          <a:p>
+            <a:pPr marL="342900" indent="-342900">
+              <a:buFontTx/>
+              <a:buChar char="-"/>
+            </a:pPr>
+            <a:r>
+              <a:rPr lang="en-GB" sz="2000" dirty="0">
+                <a:solidFill>
+                  <a:srgbClr val="1E64C8"/>
+                </a:solidFill>
+                <a:latin typeface="UGent Panno Text" panose="02000506040000040003" pitchFamily="2" charset="0"/>
+              </a:rPr>
+              <a:t>Score</a:t>
+            </a:r>
+          </a:p>
+        </p:txBody>
+      </p:sp>
+      <p:sp>
+        <p:nvSpPr>
+          <p:cNvPr id="74" name="Rechthoek: afgeronde hoeken 73">
+            <a:extLst>
+              <a:ext uri="{FF2B5EF4-FFF2-40B4-BE49-F238E27FC236}">
+                <a16:creationId xmlns:a16="http://schemas.microsoft.com/office/drawing/2014/main" id="{425B4309-0387-46B3-9C5A-8F64A7EBC06A}"/>
+              </a:ext>
+            </a:extLst>
+          </p:cNvPr>
+          <p:cNvSpPr/>
+          <p:nvPr/>
+        </p:nvSpPr>
+        <p:spPr>
+          <a:xfrm>
+            <a:off x="10521200" y="6558471"/>
+            <a:ext cx="2520000" cy="1075801"/>
+          </a:xfrm>
+          <a:prstGeom prst="roundRect">
+            <a:avLst/>
+          </a:prstGeom>
+          <a:ln/>
+        </p:spPr>
+        <p:style>
+          <a:lnRef idx="2">
+            <a:schemeClr val="accent1">
+              <a:shade val="50000"/>
+            </a:schemeClr>
+          </a:lnRef>
+          <a:fillRef idx="1">
+            <a:schemeClr val="accent1"/>
+          </a:fillRef>
+          <a:effectRef idx="0">
+            <a:schemeClr val="accent1"/>
+          </a:effectRef>
+          <a:fontRef idx="minor">
+            <a:schemeClr val="lt1"/>
+          </a:fontRef>
+        </p:style>
+        <p:txBody>
+          <a:bodyPr rtlCol="0" anchor="t"/>
+          <a:lstStyle/>
+          <a:p>
+            <a:pPr algn="ctr"/>
+            <a:r>
+              <a:rPr lang="en-GB" sz="2000" dirty="0" err="1">
+                <a:latin typeface="UGent Panno Text" panose="02000506040000040003" pitchFamily="2" charset="0"/>
+              </a:rPr>
+              <a:t>QuizList</a:t>
+            </a:r>
+            <a:endParaRPr lang="nl-BE" sz="2000" dirty="0">
+              <a:latin typeface="UGent Panno Text" panose="02000506040000040003" pitchFamily="2" charset="0"/>
+            </a:endParaRPr>
+          </a:p>
+        </p:txBody>
+      </p:sp>
+      <p:sp>
+        <p:nvSpPr>
+          <p:cNvPr id="75" name="Rechthoek: afgeronde hoeken 74">
+            <a:extLst>
+              <a:ext uri="{FF2B5EF4-FFF2-40B4-BE49-F238E27FC236}">
+                <a16:creationId xmlns:a16="http://schemas.microsoft.com/office/drawing/2014/main" id="{CD5EE646-5EEB-457F-821A-DCFA9F773CCB}"/>
+              </a:ext>
+            </a:extLst>
+          </p:cNvPr>
+          <p:cNvSpPr/>
+          <p:nvPr/>
+        </p:nvSpPr>
+        <p:spPr>
+          <a:xfrm>
+            <a:off x="10521200" y="7126771"/>
+            <a:ext cx="2520000" cy="507502"/>
+          </a:xfrm>
+          <a:prstGeom prst="roundRect">
+            <a:avLst>
+              <a:gd name="adj" fmla="val 17189"/>
+            </a:avLst>
+          </a:prstGeom>
+          <a:solidFill>
+            <a:schemeClr val="bg1"/>
+          </a:solidFill>
+          <a:ln/>
+        </p:spPr>
+        <p:style>
+          <a:lnRef idx="2">
+            <a:schemeClr val="accent1">
+              <a:shade val="50000"/>
+            </a:schemeClr>
+          </a:lnRef>
+          <a:fillRef idx="1">
+            <a:schemeClr val="accent1"/>
+          </a:fillRef>
+          <a:effectRef idx="0">
+            <a:schemeClr val="accent1"/>
+          </a:effectRef>
+          <a:fontRef idx="minor">
+            <a:schemeClr val="lt1"/>
+          </a:fontRef>
+        </p:style>
+        <p:txBody>
+          <a:bodyPr rtlCol="0" anchor="t"/>
+          <a:lstStyle/>
+          <a:p>
+            <a:pPr marL="342900" indent="-342900">
+              <a:buFontTx/>
+              <a:buChar char="-"/>
+            </a:pPr>
+            <a:r>
+              <a:rPr lang="en-GB" sz="2000" dirty="0" err="1">
+                <a:solidFill>
+                  <a:srgbClr val="1E64C8"/>
+                </a:solidFill>
+                <a:latin typeface="UGent Panno Text" panose="02000506040000040003" pitchFamily="2" charset="0"/>
+              </a:rPr>
+              <a:t>Quizzen</a:t>
+            </a:r>
+            <a:endParaRPr lang="en-GB" sz="2000" dirty="0">
+              <a:solidFill>
+                <a:srgbClr val="1E64C8"/>
+              </a:solidFill>
+              <a:latin typeface="UGent Panno Text" panose="02000506040000040003" pitchFamily="2" charset="0"/>
+            </a:endParaRPr>
+          </a:p>
+          <a:p>
+            <a:pPr marL="342900" indent="-342900">
+              <a:buFontTx/>
+              <a:buChar char="-"/>
+            </a:pPr>
+            <a:endParaRPr lang="en-GB" sz="2000" dirty="0">
+              <a:solidFill>
+                <a:srgbClr val="1E64C8"/>
+              </a:solidFill>
+              <a:latin typeface="UGent Panno Text" panose="02000506040000040003" pitchFamily="2" charset="0"/>
+            </a:endParaRPr>
+          </a:p>
+          <a:p>
+            <a:pPr marL="342900" indent="-342900">
+              <a:buFontTx/>
+              <a:buChar char="-"/>
+            </a:pPr>
+            <a:endParaRPr lang="en-GB" sz="2000" dirty="0">
+              <a:solidFill>
+                <a:srgbClr val="1E64C8"/>
+              </a:solidFill>
+              <a:latin typeface="UGent Panno Text" panose="02000506040000040003" pitchFamily="2" charset="0"/>
+            </a:endParaRPr>
+          </a:p>
+        </p:txBody>
+      </p:sp>
+    </p:spTree>
+    <p:extLst>
+      <p:ext uri="{BB962C8B-B14F-4D97-AF65-F5344CB8AC3E}">
+        <p14:creationId xmlns:p14="http://schemas.microsoft.com/office/powerpoint/2010/main" val="2557611581"/>
+      </p:ext>
+    </p:extLst>
+  </p:cSld>
+  <p:clrMapOvr>
+    <a:masterClrMapping/>
+  </p:clrMapOvr>
+</p:sld>
+</file>
+
+<file path=ppt/slides/slide28.xml><?xml version="1.0" encoding="utf-8"?>
+<p:sld xmlns:a="http://schemas.openxmlformats.org/drawingml/2006/main" xmlns:r="http://schemas.openxmlformats.org/officeDocument/2006/relationships" xmlns:p="http://schemas.openxmlformats.org/presentationml/2006/main">
+  <p:cSld>
+    <p:spTree>
+      <p:nvGrpSpPr>
+        <p:cNvPr id="1" name=""/>
+        <p:cNvGrpSpPr/>
+        <p:nvPr/>
+      </p:nvGrpSpPr>
+      <p:grpSpPr>
+        <a:xfrm>
+          <a:off x="0" y="0"/>
+          <a:ext cx="0" cy="0"/>
+          <a:chOff x="0" y="0"/>
+          <a:chExt cx="0" cy="0"/>
+        </a:xfrm>
+      </p:grpSpPr>
+      <p:sp>
+        <p:nvSpPr>
+          <p:cNvPr id="8" name="Titel 7"/>
+          <p:cNvSpPr>
+            <a:spLocks noGrp="1"/>
+          </p:cNvSpPr>
+          <p:nvPr>
+            <p:ph type="ctrTitle"/>
+          </p:nvPr>
+        </p:nvSpPr>
+        <p:spPr/>
+        <p:txBody>
+          <a:bodyPr/>
+          <a:lstStyle/>
+          <a:p>
+            <a:r>
+              <a:rPr lang="nl-NL" dirty="0">
+                <a:latin typeface="UGent Panno Text" panose="02000506040000040003" pitchFamily="2" charset="0"/>
+              </a:rPr>
+              <a:t>Taakverdeling</a:t>
+            </a:r>
+          </a:p>
+        </p:txBody>
+      </p:sp>
+      <p:sp>
+        <p:nvSpPr>
+          <p:cNvPr id="5" name="Slide Number Placeholder 4"/>
+          <p:cNvSpPr>
+            <a:spLocks noGrp="1"/>
+          </p:cNvSpPr>
+          <p:nvPr>
+            <p:ph type="sldNum" sz="quarter" idx="4"/>
+          </p:nvPr>
+        </p:nvSpPr>
+        <p:spPr/>
+        <p:txBody>
+          <a:bodyPr/>
+          <a:lstStyle/>
+          <a:p>
+            <a:fld id="{7AE184E0-0BD4-4705-A12B-9B71DDE63301}" type="slidenum">
+              <a:rPr lang="nl-BE" smtClean="0"/>
+              <a:pPr/>
+              <a:t>28</a:t>
+            </a:fld>
+            <a:endParaRPr lang="nl-BE" dirty="0"/>
+          </a:p>
+        </p:txBody>
+      </p:sp>
+    </p:spTree>
+    <p:extLst>
+      <p:ext uri="{BB962C8B-B14F-4D97-AF65-F5344CB8AC3E}">
+        <p14:creationId xmlns:p14="http://schemas.microsoft.com/office/powerpoint/2010/main" val="3707852502"/>
       </p:ext>
     </p:extLst>
   </p:cSld>

--- a/Analyse.pptx
+++ b/Analyse.pptx
@@ -5,7 +5,7 @@
     <p:sldMasterId id="2147483660" r:id="rId1"/>
   </p:sldMasterIdLst>
   <p:notesMasterIdLst>
-    <p:notesMasterId r:id="rId30"/>
+    <p:notesMasterId r:id="rId31"/>
   </p:notesMasterIdLst>
   <p:sldIdLst>
     <p:sldId id="259" r:id="rId2"/>
@@ -36,6 +36,7 @@
     <p:sldId id="292" r:id="rId27"/>
     <p:sldId id="294" r:id="rId28"/>
     <p:sldId id="291" r:id="rId29"/>
+    <p:sldId id="295" r:id="rId30"/>
   </p:sldIdLst>
   <p:sldSz cx="17338675" cy="9753600"/>
   <p:notesSz cx="6858000" cy="9144000"/>
@@ -153,10 +154,6 @@
 </p:presentation>
 </file>
 
-<file path=ppt/revisionInfo.xml><?xml version="1.0" encoding="utf-8"?>
-<p1510:revInfo xmlns:a="http://schemas.openxmlformats.org/drawingml/2006/main" xmlns:r="http://schemas.openxmlformats.org/officeDocument/2006/relationships" xmlns:p1510="http://schemas.microsoft.com/office/powerpoint/2015/10/main"/>
-</file>
-
 <file path=ppt/notesMasters/notesMaster1.xml><?xml version="1.0" encoding="utf-8"?>
 <p:notesMaster xmlns:a="http://schemas.openxmlformats.org/drawingml/2006/main" xmlns:r="http://schemas.openxmlformats.org/officeDocument/2006/relationships" xmlns:p="http://schemas.openxmlformats.org/presentationml/2006/main">
   <p:cSld>
@@ -239,7 +236,7 @@
           <a:p>
             <a:fld id="{86680C0C-85DF-417F-8238-DB0D15743621}" type="datetimeFigureOut">
               <a:rPr lang="en-GB" smtClean="0"/>
-              <a:t>02/03/2018</a:t>
+              <a:t>18/04/2018</a:t>
             </a:fld>
             <a:endParaRPr lang="en-GB"/>
           </a:p>
@@ -398,7 +395,7 @@
           <a:p>
             <a:fld id="{539A0A48-EDB1-4AFE-B1B7-10CE2A416496}" type="slidenum">
               <a:rPr lang="en-GB" smtClean="0"/>
-              <a:t>‹nr.›</a:t>
+              <a:t>‹#›</a:t>
             </a:fld>
             <a:endParaRPr lang="en-GB"/>
           </a:p>
@@ -877,7 +874,7 @@
           <a:p>
             <a:fld id="{5A24147F-ED97-47AF-A1B3-C82A179CF7F3}" type="datetime1">
               <a:rPr lang="nl-NL" smtClean="0"/>
-              <a:t>2-3-2018</a:t>
+              <a:t>18-4-2018</a:t>
             </a:fld>
             <a:endParaRPr lang="en-GB"/>
           </a:p>
@@ -919,7 +916,7 @@
           <a:p>
             <a:fld id="{7AE184E0-0BD4-4705-A12B-9B71DDE63301}" type="slidenum">
               <a:rPr lang="en-GB" smtClean="0"/>
-              <a:t>‹nr.›</a:t>
+              <a:t>‹#›</a:t>
             </a:fld>
             <a:endParaRPr lang="en-GB"/>
           </a:p>
@@ -1702,7 +1699,7 @@
             <a:fld id="{7AE184E0-0BD4-4705-A12B-9B71DDE63301}" type="slidenum">
               <a:rPr lang="nl-BE" noProof="0" smtClean="0"/>
               <a:pPr/>
-              <a:t>‹nr.›</a:t>
+              <a:t>‹#›</a:t>
             </a:fld>
             <a:endParaRPr lang="nl-BE" noProof="0" dirty="0"/>
           </a:p>
@@ -1955,7 +1952,7 @@
           <a:p>
             <a:fld id="{25470885-0B31-4E06-AE71-7E16801F2838}" type="datetime1">
               <a:rPr lang="nl-BE" noProof="0" smtClean="0"/>
-              <a:t>2/03/2018</a:t>
+              <a:t>18/04/2018</a:t>
             </a:fld>
             <a:endParaRPr lang="nl-BE" noProof="0" dirty="0"/>
           </a:p>
@@ -1997,7 +1994,7 @@
           <a:p>
             <a:fld id="{7AE184E0-0BD4-4705-A12B-9B71DDE63301}" type="slidenum">
               <a:rPr lang="nl-BE" noProof="0" smtClean="0"/>
-              <a:t>‹nr.›</a:t>
+              <a:t>‹#›</a:t>
             </a:fld>
             <a:endParaRPr lang="nl-BE" noProof="0" dirty="0"/>
           </a:p>
@@ -2073,7 +2070,7 @@
           <a:p>
             <a:fld id="{E7410F60-8C93-4C37-B51A-4DDAE36F7E9B}" type="datetime1">
               <a:rPr lang="nl-BE" noProof="0" smtClean="0"/>
-              <a:t>2/03/2018</a:t>
+              <a:t>18/04/2018</a:t>
             </a:fld>
             <a:endParaRPr lang="nl-BE" noProof="0" dirty="0"/>
           </a:p>
@@ -2170,7 +2167,7 @@
             <a:fld id="{7AE184E0-0BD4-4705-A12B-9B71DDE63301}" type="slidenum">
               <a:rPr lang="nl-BE" noProof="0" smtClean="0"/>
               <a:pPr/>
-              <a:t>‹nr.›</a:t>
+              <a:t>‹#›</a:t>
             </a:fld>
             <a:endParaRPr lang="nl-BE" noProof="0" dirty="0"/>
           </a:p>
@@ -2352,7 +2349,7 @@
           <a:p>
             <a:fld id="{656594B6-17DF-4759-A7A5-128AFEA77F2C}" type="datetime1">
               <a:rPr lang="nl-BE" noProof="0" smtClean="0"/>
-              <a:t>2/03/2018</a:t>
+              <a:t>18/04/2018</a:t>
             </a:fld>
             <a:endParaRPr lang="nl-BE" noProof="0" dirty="0"/>
           </a:p>
@@ -2394,7 +2391,7 @@
           <a:p>
             <a:fld id="{7AE184E0-0BD4-4705-A12B-9B71DDE63301}" type="slidenum">
               <a:rPr lang="nl-BE" noProof="0" smtClean="0"/>
-              <a:t>‹nr.›</a:t>
+              <a:t>‹#›</a:t>
             </a:fld>
             <a:endParaRPr lang="nl-BE" noProof="0" dirty="0"/>
           </a:p>
@@ -2493,7 +2490,7 @@
           <a:p>
             <a:fld id="{66A81384-1200-4D40-BEF0-3A17A1F906F4}" type="datetime1">
               <a:rPr lang="nl-NL" noProof="0" smtClean="0"/>
-              <a:t>2-3-2018</a:t>
+              <a:t>18-4-2018</a:t>
             </a:fld>
             <a:endParaRPr lang="nl-NL" noProof="0" dirty="0"/>
           </a:p>
@@ -3034,7 +3031,7 @@
           <a:p>
             <a:fld id="{FA870D1A-A3AB-4E9F-892E-C45B5A80FDBF}" type="datetime1">
               <a:rPr lang="nl-BE" noProof="0" smtClean="0"/>
-              <a:t>2/03/2018</a:t>
+              <a:t>18/04/2018</a:t>
             </a:fld>
             <a:endParaRPr lang="nl-BE" noProof="0" dirty="0"/>
           </a:p>
@@ -3111,7 +3108,7 @@
             <a:fld id="{7AE184E0-0BD4-4705-A12B-9B71DDE63301}" type="slidenum">
               <a:rPr lang="nl-BE" noProof="0" smtClean="0"/>
               <a:pPr/>
-              <a:t>‹nr.›</a:t>
+              <a:t>‹#›</a:t>
             </a:fld>
             <a:endParaRPr lang="nl-BE" noProof="0" dirty="0"/>
           </a:p>
@@ -19877,10 +19874,10 @@
           <a:lstStyle/>
           <a:p>
             <a:r>
-              <a:rPr lang="nl-NL" dirty="0">
-                <a:latin typeface="UGent Panno Text" panose="02000506040000040003" pitchFamily="2" charset="0"/>
-              </a:rPr>
-              <a:t>Door Arthur </a:t>
+              <a:rPr lang="nl-NL">
+                <a:latin typeface="UGent Panno Text" panose="02000506040000040003" pitchFamily="2" charset="0"/>
+              </a:rPr>
+              <a:t>Arthur </a:t>
             </a:r>
             <a:r>
               <a:rPr lang="nl-NL" dirty="0" err="1">
@@ -27881,25 +27878,7 @@
                 </a:solidFill>
                 <a:latin typeface="UGent Panno Text" panose="02000506040000040003" pitchFamily="2" charset="0"/>
               </a:rPr>
-              <a:t>Opgeslagen accounts (level, </a:t>
-            </a:r>
-            <a:r>
-              <a:rPr lang="nl-NL" sz="4000" dirty="0" err="1">
-                <a:solidFill>
-                  <a:srgbClr val="FF0000"/>
-                </a:solidFill>
-                <a:latin typeface="UGent Panno Text" panose="02000506040000040003" pitchFamily="2" charset="0"/>
-              </a:rPr>
-              <a:t>experience</a:t>
-            </a:r>
-            <a:r>
-              <a:rPr lang="nl-NL" sz="4000" dirty="0">
-                <a:solidFill>
-                  <a:srgbClr val="FF0000"/>
-                </a:solidFill>
-                <a:latin typeface="UGent Panno Text" panose="02000506040000040003" pitchFamily="2" charset="0"/>
-              </a:rPr>
-              <a:t> points…)</a:t>
+              <a:t>Opgeslagen accounts (level, experience points, …)</a:t>
             </a:r>
           </a:p>
           <a:p>
@@ -27907,7 +27886,7 @@
               <a:rPr lang="nl-NL" dirty="0">
                 <a:latin typeface="UGent Panno Text" panose="02000506040000040003" pitchFamily="2" charset="0"/>
               </a:rPr>
-              <a:t>Voldoende realistisch/ambitieus?</a:t>
+              <a:t>Voldoende realistisch / ambitieus?</a:t>
             </a:r>
           </a:p>
         </p:txBody>
@@ -29535,6 +29514,36 @@
 </p:sld>
 </file>
 
+<file path=ppt/slides/slide29.xml><?xml version="1.0" encoding="utf-8"?>
+<p:sld xmlns:a="http://schemas.openxmlformats.org/drawingml/2006/main" xmlns:r="http://schemas.openxmlformats.org/officeDocument/2006/relationships" xmlns:p="http://schemas.openxmlformats.org/presentationml/2006/main">
+  <p:cSld>
+    <p:spTree>
+      <p:nvGrpSpPr>
+        <p:cNvPr id="1" name=""/>
+        <p:cNvGrpSpPr/>
+        <p:nvPr/>
+      </p:nvGrpSpPr>
+      <p:grpSpPr>
+        <a:xfrm>
+          <a:off x="0" y="0"/>
+          <a:ext cx="0" cy="0"/>
+          <a:chOff x="0" y="0"/>
+          <a:chExt cx="0" cy="0"/>
+        </a:xfrm>
+      </p:grpSpPr>
+    </p:spTree>
+    <p:extLst>
+      <p:ext uri="{BB962C8B-B14F-4D97-AF65-F5344CB8AC3E}">
+        <p14:creationId xmlns:p14="http://schemas.microsoft.com/office/powerpoint/2010/main" val="3436022149"/>
+      </p:ext>
+    </p:extLst>
+  </p:cSld>
+  <p:clrMapOvr>
+    <a:masterClrMapping/>
+  </p:clrMapOvr>
+</p:sld>
+</file>
+
 <file path=ppt/slides/slide3.xml><?xml version="1.0" encoding="utf-8"?>
 <p:sld xmlns:a="http://schemas.openxmlformats.org/drawingml/2006/main" xmlns:r="http://schemas.openxmlformats.org/officeDocument/2006/relationships" xmlns:p="http://schemas.openxmlformats.org/presentationml/2006/main">
   <p:cSld>
@@ -29699,17 +29708,20 @@
               <a:rPr lang="nl-NL" sz="4000" dirty="0">
                 <a:latin typeface="UGent Panno Text" panose="02000506040000040003" pitchFamily="2" charset="0"/>
               </a:rPr>
-              <a:t>Meerkeuze</a:t>
+              <a:t>Meerkeuze (MC)</a:t>
             </a:r>
           </a:p>
           <a:p>
             <a:pPr lvl="1"/>
             <a:r>
-              <a:rPr lang="nl-NL" sz="4000" dirty="0">
-                <a:latin typeface="UGent Panno Text" panose="02000506040000040003" pitchFamily="2" charset="0"/>
-              </a:rPr>
-              <a:t>Instapixel</a:t>
-            </a:r>
+              <a:rPr lang="nl-NL" sz="4000">
+                <a:latin typeface="UGent Panno Text" panose="02000506040000040003" pitchFamily="2" charset="0"/>
+              </a:rPr>
+              <a:t>Instapixel (IP)</a:t>
+            </a:r>
+            <a:endParaRPr lang="nl-NL" sz="4000" dirty="0">
+              <a:latin typeface="UGent Panno Text" panose="02000506040000040003" pitchFamily="2" charset="0"/>
+            </a:endParaRPr>
           </a:p>
           <a:p>
             <a:r>
